--- a/Biomedical Foundation Models into TBDSS.pptx
+++ b/Biomedical Foundation Models into TBDSS.pptx
@@ -10,9 +10,9 @@
   <p:sldIdLst>
     <p:sldId id="256" r:id="rId2"/>
     <p:sldId id="260" r:id="rId3"/>
-    <p:sldId id="258" r:id="rId4"/>
-    <p:sldId id="259" r:id="rId5"/>
-    <p:sldId id="261" r:id="rId6"/>
+    <p:sldId id="262" r:id="rId4"/>
+    <p:sldId id="264" r:id="rId5"/>
+    <p:sldId id="265" r:id="rId6"/>
   </p:sldIdLst>
   <p:sldSz cx="12192000" cy="6858000"/>
   <p:notesSz cx="6858000" cy="9144000"/>
@@ -467,90 +467,6 @@
     </a:lvl9pPr>
   </p:notesStyle>
 </p:notesMaster>
-</file>
-
-<file path=ppt/notesSlides/notesSlide1.xml><?xml version="1.0" encoding="utf-8"?>
-<p:notes xmlns:a="http://schemas.openxmlformats.org/drawingml/2006/main" xmlns:r="http://schemas.openxmlformats.org/officeDocument/2006/relationships" xmlns:p="http://schemas.openxmlformats.org/presentationml/2006/main">
-  <p:cSld>
-    <p:spTree>
-      <p:nvGrpSpPr>
-        <p:cNvPr id="1" name=""/>
-        <p:cNvGrpSpPr/>
-        <p:nvPr/>
-      </p:nvGrpSpPr>
-      <p:grpSpPr>
-        <a:xfrm>
-          <a:off x="0" y="0"/>
-          <a:ext cx="0" cy="0"/>
-          <a:chOff x="0" y="0"/>
-          <a:chExt cx="0" cy="0"/>
-        </a:xfrm>
-      </p:grpSpPr>
-      <p:sp>
-        <p:nvSpPr>
-          <p:cNvPr id="2" name="Slide Image Placeholder 1"/>
-          <p:cNvSpPr>
-            <a:spLocks noGrp="1" noRot="1" noChangeAspect="1"/>
-          </p:cNvSpPr>
-          <p:nvPr>
-            <p:ph type="sldImg"/>
-          </p:nvPr>
-        </p:nvSpPr>
-        <p:spPr/>
-      </p:sp>
-      <p:sp>
-        <p:nvSpPr>
-          <p:cNvPr id="3" name="Notes Placeholder 2"/>
-          <p:cNvSpPr>
-            <a:spLocks noGrp="1"/>
-          </p:cNvSpPr>
-          <p:nvPr>
-            <p:ph type="body" idx="1"/>
-          </p:nvPr>
-        </p:nvSpPr>
-        <p:spPr/>
-        <p:txBody>
-          <a:bodyPr/>
-          <a:lstStyle/>
-          <a:p>
-            <a:endParaRPr lang="en-IN" dirty="0"/>
-          </a:p>
-        </p:txBody>
-      </p:sp>
-      <p:sp>
-        <p:nvSpPr>
-          <p:cNvPr id="4" name="Slide Number Placeholder 3"/>
-          <p:cNvSpPr>
-            <a:spLocks noGrp="1"/>
-          </p:cNvSpPr>
-          <p:nvPr>
-            <p:ph type="sldNum" sz="quarter" idx="5"/>
-          </p:nvPr>
-        </p:nvSpPr>
-        <p:spPr/>
-        <p:txBody>
-          <a:bodyPr/>
-          <a:lstStyle/>
-          <a:p>
-            <a:fld id="{4AB5D133-BE52-4F7B-B543-2FE2258B61D3}" type="slidenum">
-              <a:rPr lang="en-IN" smtClean="0"/>
-              <a:t>4</a:t>
-            </a:fld>
-            <a:endParaRPr lang="en-IN"/>
-          </a:p>
-        </p:txBody>
-      </p:sp>
-    </p:spTree>
-    <p:extLst>
-      <p:ext uri="{BB962C8B-B14F-4D97-AF65-F5344CB8AC3E}">
-        <p14:creationId xmlns:p14="http://schemas.microsoft.com/office/powerpoint/2010/main" val="2129827156"/>
-      </p:ext>
-    </p:extLst>
-  </p:cSld>
-  <p:clrMapOvr>
-    <a:masterClrMapping/>
-  </p:clrMapOvr>
-</p:notes>
 </file>
 
 <file path=ppt/slideLayouts/slideLayout1.xml><?xml version="1.0" encoding="utf-8"?>
@@ -4354,534 +4270,6 @@
       </p:grpSpPr>
       <p:sp>
         <p:nvSpPr>
-          <p:cNvPr id="16" name="Rectangle 15">
-            <a:extLst>
-              <a:ext uri="{FF2B5EF4-FFF2-40B4-BE49-F238E27FC236}">
-                <a16:creationId xmlns:a16="http://schemas.microsoft.com/office/drawing/2014/main" id="{B887A5E1-07F6-EBD6-9ABB-5EE6F905F2A0}"/>
-              </a:ext>
-            </a:extLst>
-          </p:cNvPr>
-          <p:cNvSpPr/>
-          <p:nvPr/>
-        </p:nvSpPr>
-        <p:spPr>
-          <a:xfrm>
-            <a:off x="5878070" y="1964073"/>
-            <a:ext cx="2715768" cy="1574656"/>
-          </a:xfrm>
-          <a:prstGeom prst="rect">
-            <a:avLst/>
-          </a:prstGeom>
-          <a:solidFill>
-            <a:schemeClr val="bg1"/>
-          </a:solidFill>
-        </p:spPr>
-        <p:style>
-          <a:lnRef idx="2">
-            <a:schemeClr val="accent1">
-              <a:shade val="15000"/>
-            </a:schemeClr>
-          </a:lnRef>
-          <a:fillRef idx="1">
-            <a:schemeClr val="accent1"/>
-          </a:fillRef>
-          <a:effectRef idx="0">
-            <a:schemeClr val="accent1"/>
-          </a:effectRef>
-          <a:fontRef idx="minor">
-            <a:schemeClr val="lt1"/>
-          </a:fontRef>
-        </p:style>
-        <p:txBody>
-          <a:bodyPr rtlCol="0" anchor="ctr"/>
-          <a:lstStyle/>
-          <a:p>
-            <a:pPr algn="ctr"/>
-            <a:r>
-              <a:rPr lang="en-IN" sz="1400" dirty="0">
-                <a:solidFill>
-                  <a:schemeClr val="tx1"/>
-                </a:solidFill>
-              </a:rPr>
-              <a:t>Combined format</a:t>
-            </a:r>
-          </a:p>
-          <a:p>
-            <a:pPr algn="ctr"/>
-            <a:r>
-              <a:rPr lang="en-IN" sz="1400" dirty="0">
-                <a:solidFill>
-                  <a:schemeClr val="tx1"/>
-                </a:solidFill>
-              </a:rPr>
-              <a:t>h5ad (14 GB) </a:t>
-            </a:r>
-          </a:p>
-          <a:p>
-            <a:pPr algn="ctr"/>
-            <a:r>
-              <a:rPr lang="en-IN" sz="1400" dirty="0">
-                <a:solidFill>
-                  <a:schemeClr val="tx1"/>
-                </a:solidFill>
-              </a:rPr>
-              <a:t>.loom(3 GB) </a:t>
-            </a:r>
-          </a:p>
-          <a:p>
-            <a:pPr algn="ctr"/>
-            <a:endParaRPr lang="en-IN" sz="1400" dirty="0">
-              <a:solidFill>
-                <a:schemeClr val="tx1"/>
-              </a:solidFill>
-            </a:endParaRPr>
-          </a:p>
-        </p:txBody>
-      </p:sp>
-      <p:sp>
-        <p:nvSpPr>
-          <p:cNvPr id="20" name="Rectangle 19">
-            <a:extLst>
-              <a:ext uri="{FF2B5EF4-FFF2-40B4-BE49-F238E27FC236}">
-                <a16:creationId xmlns:a16="http://schemas.microsoft.com/office/drawing/2014/main" id="{3E0A224B-0FB6-681C-6BC8-81D0C0E221E1}"/>
-              </a:ext>
-            </a:extLst>
-          </p:cNvPr>
-          <p:cNvSpPr/>
-          <p:nvPr/>
-        </p:nvSpPr>
-        <p:spPr>
-          <a:xfrm>
-            <a:off x="9736074" y="1989311"/>
-            <a:ext cx="2343150" cy="1832275"/>
-          </a:xfrm>
-          <a:prstGeom prst="rect">
-            <a:avLst/>
-          </a:prstGeom>
-          <a:solidFill>
-            <a:schemeClr val="bg1"/>
-          </a:solidFill>
-        </p:spPr>
-        <p:style>
-          <a:lnRef idx="2">
-            <a:schemeClr val="accent1">
-              <a:shade val="15000"/>
-            </a:schemeClr>
-          </a:lnRef>
-          <a:fillRef idx="1">
-            <a:schemeClr val="accent1"/>
-          </a:fillRef>
-          <a:effectRef idx="0">
-            <a:schemeClr val="accent1"/>
-          </a:effectRef>
-          <a:fontRef idx="minor">
-            <a:schemeClr val="lt1"/>
-          </a:fontRef>
-        </p:style>
-        <p:txBody>
-          <a:bodyPr rtlCol="0" anchor="ctr"/>
-          <a:lstStyle/>
-          <a:p>
-            <a:pPr algn="ctr"/>
-            <a:r>
-              <a:rPr lang="en-IN" sz="1400" dirty="0">
-                <a:solidFill>
-                  <a:schemeClr val="tx1"/>
-                </a:solidFill>
-              </a:rPr>
-              <a:t>Rank value Encodings</a:t>
-            </a:r>
-          </a:p>
-          <a:p>
-            <a:pPr algn="ctr"/>
-            <a:r>
-              <a:rPr lang="en-IN" sz="1400" dirty="0">
-                <a:solidFill>
-                  <a:schemeClr val="tx1"/>
-                </a:solidFill>
-              </a:rPr>
-              <a:t>Hugging Face Dataset Format (356 MB) </a:t>
-            </a:r>
-          </a:p>
-          <a:p>
-            <a:pPr algn="ctr"/>
-            <a:endParaRPr lang="en-IN" sz="1400" dirty="0">
-              <a:solidFill>
-                <a:schemeClr val="tx1"/>
-              </a:solidFill>
-            </a:endParaRPr>
-          </a:p>
-          <a:p>
-            <a:pPr algn="ctr"/>
-            <a:r>
-              <a:rPr lang="en-IN" sz="1400" dirty="0">
-                <a:solidFill>
-                  <a:schemeClr val="tx1"/>
-                </a:solidFill>
-              </a:rPr>
-              <a:t> </a:t>
-            </a:r>
-          </a:p>
-        </p:txBody>
-      </p:sp>
-      <p:sp>
-        <p:nvSpPr>
-          <p:cNvPr id="21" name="Rectangle 20">
-            <a:extLst>
-              <a:ext uri="{FF2B5EF4-FFF2-40B4-BE49-F238E27FC236}">
-                <a16:creationId xmlns:a16="http://schemas.microsoft.com/office/drawing/2014/main" id="{6B36D49A-7849-0ADB-0CD8-356A8971C53C}"/>
-              </a:ext>
-            </a:extLst>
-          </p:cNvPr>
-          <p:cNvSpPr/>
-          <p:nvPr/>
-        </p:nvSpPr>
-        <p:spPr>
-          <a:xfrm>
-            <a:off x="310895" y="1755649"/>
-            <a:ext cx="4766201" cy="4709160"/>
-          </a:xfrm>
-          <a:prstGeom prst="rect">
-            <a:avLst/>
-          </a:prstGeom>
-          <a:solidFill>
-            <a:schemeClr val="bg1"/>
-          </a:solidFill>
-        </p:spPr>
-        <p:style>
-          <a:lnRef idx="2">
-            <a:schemeClr val="accent1">
-              <a:shade val="15000"/>
-            </a:schemeClr>
-          </a:lnRef>
-          <a:fillRef idx="1">
-            <a:schemeClr val="accent1"/>
-          </a:fillRef>
-          <a:effectRef idx="0">
-            <a:schemeClr val="accent1"/>
-          </a:effectRef>
-          <a:fontRef idx="minor">
-            <a:schemeClr val="lt1"/>
-          </a:fontRef>
-        </p:style>
-        <p:txBody>
-          <a:bodyPr rtlCol="0" anchor="ctr"/>
-          <a:lstStyle/>
-          <a:p>
-            <a:r>
-              <a:rPr lang="en-IN" sz="1400" dirty="0">
-                <a:solidFill>
-                  <a:schemeClr val="tx1"/>
-                </a:solidFill>
-              </a:rPr>
-              <a:t>Raw Count Matrix and cell annotation data (1GB + 100KB File)</a:t>
-            </a:r>
-          </a:p>
-          <a:p>
-            <a:endParaRPr lang="en-IN" sz="1400" dirty="0">
-              <a:solidFill>
-                <a:schemeClr val="tx1"/>
-              </a:solidFill>
-            </a:endParaRPr>
-          </a:p>
-          <a:p>
-            <a:endParaRPr lang="en-IN" sz="1400" dirty="0">
-              <a:solidFill>
-                <a:schemeClr val="tx1"/>
-              </a:solidFill>
-            </a:endParaRPr>
-          </a:p>
-          <a:p>
-            <a:endParaRPr lang="en-IN" sz="1400" dirty="0">
-              <a:solidFill>
-                <a:schemeClr val="tx1"/>
-              </a:solidFill>
-            </a:endParaRPr>
-          </a:p>
-          <a:p>
-            <a:endParaRPr lang="en-IN" sz="1400" dirty="0">
-              <a:solidFill>
-                <a:schemeClr val="tx1"/>
-              </a:solidFill>
-            </a:endParaRPr>
-          </a:p>
-          <a:p>
-            <a:endParaRPr lang="en-IN" sz="1400" dirty="0">
-              <a:solidFill>
-                <a:schemeClr val="tx1"/>
-              </a:solidFill>
-            </a:endParaRPr>
-          </a:p>
-          <a:p>
-            <a:endParaRPr lang="en-IN" sz="1400" dirty="0">
-              <a:solidFill>
-                <a:schemeClr val="tx1"/>
-              </a:solidFill>
-            </a:endParaRPr>
-          </a:p>
-          <a:p>
-            <a:endParaRPr lang="en-IN" sz="1400" dirty="0">
-              <a:solidFill>
-                <a:schemeClr val="tx1"/>
-              </a:solidFill>
-            </a:endParaRPr>
-          </a:p>
-          <a:p>
-            <a:endParaRPr lang="en-IN" sz="1400" dirty="0">
-              <a:solidFill>
-                <a:schemeClr val="tx1"/>
-              </a:solidFill>
-            </a:endParaRPr>
-          </a:p>
-          <a:p>
-            <a:endParaRPr lang="en-IN" sz="1400" dirty="0">
-              <a:solidFill>
-                <a:schemeClr val="tx1"/>
-              </a:solidFill>
-            </a:endParaRPr>
-          </a:p>
-          <a:p>
-            <a:endParaRPr lang="en-IN" sz="1400" dirty="0">
-              <a:solidFill>
-                <a:schemeClr val="tx1"/>
-              </a:solidFill>
-            </a:endParaRPr>
-          </a:p>
-          <a:p>
-            <a:endParaRPr lang="en-IN" sz="1400" dirty="0">
-              <a:solidFill>
-                <a:schemeClr val="tx1"/>
-              </a:solidFill>
-            </a:endParaRPr>
-          </a:p>
-          <a:p>
-            <a:endParaRPr lang="en-IN" sz="1400" dirty="0">
-              <a:solidFill>
-                <a:schemeClr val="tx1"/>
-              </a:solidFill>
-            </a:endParaRPr>
-          </a:p>
-          <a:p>
-            <a:endParaRPr lang="en-IN" sz="1400" dirty="0">
-              <a:solidFill>
-                <a:schemeClr val="tx1"/>
-              </a:solidFill>
-            </a:endParaRPr>
-          </a:p>
-          <a:p>
-            <a:endParaRPr lang="en-IN" sz="1400" dirty="0">
-              <a:solidFill>
-                <a:schemeClr val="tx1"/>
-              </a:solidFill>
-            </a:endParaRPr>
-          </a:p>
-          <a:p>
-            <a:endParaRPr lang="en-IN" sz="1400" dirty="0">
-              <a:solidFill>
-                <a:schemeClr val="tx1"/>
-              </a:solidFill>
-            </a:endParaRPr>
-          </a:p>
-          <a:p>
-            <a:endParaRPr lang="en-IN" sz="1400" dirty="0">
-              <a:solidFill>
-                <a:schemeClr val="tx1"/>
-              </a:solidFill>
-            </a:endParaRPr>
-          </a:p>
-          <a:p>
-            <a:endParaRPr lang="en-IN" sz="1400" dirty="0">
-              <a:solidFill>
-                <a:schemeClr val="tx1"/>
-              </a:solidFill>
-            </a:endParaRPr>
-          </a:p>
-          <a:p>
-            <a:endParaRPr lang="en-IN" sz="1400" dirty="0">
-              <a:solidFill>
-                <a:schemeClr val="tx1"/>
-              </a:solidFill>
-            </a:endParaRPr>
-          </a:p>
-          <a:p>
-            <a:endParaRPr lang="en-IN" sz="1400" dirty="0">
-              <a:solidFill>
-                <a:schemeClr val="tx1"/>
-              </a:solidFill>
-            </a:endParaRPr>
-          </a:p>
-        </p:txBody>
-      </p:sp>
-      <p:pic>
-        <p:nvPicPr>
-          <p:cNvPr id="22" name="Picture 21">
-            <a:extLst>
-              <a:ext uri="{FF2B5EF4-FFF2-40B4-BE49-F238E27FC236}">
-                <a16:creationId xmlns:a16="http://schemas.microsoft.com/office/drawing/2014/main" id="{89F81C8E-5394-765F-6B7D-25232A6EE2F9}"/>
-              </a:ext>
-            </a:extLst>
-          </p:cNvPr>
-          <p:cNvPicPr>
-            <a:picLocks noChangeAspect="1"/>
-          </p:cNvPicPr>
-          <p:nvPr/>
-        </p:nvPicPr>
-        <p:blipFill>
-          <a:blip r:embed="rId2"/>
-          <a:stretch>
-            <a:fillRect/>
-          </a:stretch>
-        </p:blipFill>
-        <p:spPr>
-          <a:xfrm>
-            <a:off x="430530" y="2408236"/>
-            <a:ext cx="2586990" cy="1314395"/>
-          </a:xfrm>
-          <a:prstGeom prst="rect">
-            <a:avLst/>
-          </a:prstGeom>
-          <a:ln>
-            <a:solidFill>
-              <a:schemeClr val="tx1"/>
-            </a:solidFill>
-          </a:ln>
-        </p:spPr>
-      </p:pic>
-      <p:pic>
-        <p:nvPicPr>
-          <p:cNvPr id="23" name="Picture 22">
-            <a:extLst>
-              <a:ext uri="{FF2B5EF4-FFF2-40B4-BE49-F238E27FC236}">
-                <a16:creationId xmlns:a16="http://schemas.microsoft.com/office/drawing/2014/main" id="{C6B63E87-8C7A-0E7D-063D-FD26266BDDE9}"/>
-              </a:ext>
-            </a:extLst>
-          </p:cNvPr>
-          <p:cNvPicPr>
-            <a:picLocks noChangeAspect="1"/>
-          </p:cNvPicPr>
-          <p:nvPr/>
-        </p:nvPicPr>
-        <p:blipFill>
-          <a:blip r:embed="rId3"/>
-          <a:stretch>
-            <a:fillRect/>
-          </a:stretch>
-        </p:blipFill>
-        <p:spPr>
-          <a:xfrm>
-            <a:off x="430530" y="3821586"/>
-            <a:ext cx="2586990" cy="554914"/>
-          </a:xfrm>
-          <a:prstGeom prst="rect">
-            <a:avLst/>
-          </a:prstGeom>
-          <a:ln>
-            <a:solidFill>
-              <a:schemeClr val="tx1">
-                <a:lumMod val="85000"/>
-                <a:lumOff val="15000"/>
-              </a:schemeClr>
-            </a:solidFill>
-          </a:ln>
-        </p:spPr>
-      </p:pic>
-      <p:cxnSp>
-        <p:nvCxnSpPr>
-          <p:cNvPr id="25" name="Straight Arrow Connector 24">
-            <a:extLst>
-              <a:ext uri="{FF2B5EF4-FFF2-40B4-BE49-F238E27FC236}">
-                <a16:creationId xmlns:a16="http://schemas.microsoft.com/office/drawing/2014/main" id="{AE87EA2D-8329-1BE1-C376-17577A7870A4}"/>
-              </a:ext>
-            </a:extLst>
-          </p:cNvPr>
-          <p:cNvCxnSpPr>
-            <a:cxnSpLocks/>
-            <a:endCxn id="16" idx="1"/>
-          </p:cNvCxnSpPr>
-          <p:nvPr/>
-        </p:nvCxnSpPr>
-        <p:spPr>
-          <a:xfrm>
-            <a:off x="5077096" y="2751401"/>
-            <a:ext cx="800974" cy="0"/>
-          </a:xfrm>
-          <a:prstGeom prst="straightConnector1">
-            <a:avLst/>
-          </a:prstGeom>
-          <a:ln>
-            <a:solidFill>
-              <a:schemeClr val="tx1">
-                <a:lumMod val="85000"/>
-                <a:lumOff val="15000"/>
-              </a:schemeClr>
-            </a:solidFill>
-            <a:tailEnd type="triangle"/>
-          </a:ln>
-        </p:spPr>
-        <p:style>
-          <a:lnRef idx="1">
-            <a:schemeClr val="accent1"/>
-          </a:lnRef>
-          <a:fillRef idx="0">
-            <a:schemeClr val="accent1"/>
-          </a:fillRef>
-          <a:effectRef idx="0">
-            <a:schemeClr val="accent1"/>
-          </a:effectRef>
-          <a:fontRef idx="minor">
-            <a:schemeClr val="tx1"/>
-          </a:fontRef>
-        </p:style>
-      </p:cxnSp>
-      <p:cxnSp>
-        <p:nvCxnSpPr>
-          <p:cNvPr id="27" name="Straight Arrow Connector 26">
-            <a:extLst>
-              <a:ext uri="{FF2B5EF4-FFF2-40B4-BE49-F238E27FC236}">
-                <a16:creationId xmlns:a16="http://schemas.microsoft.com/office/drawing/2014/main" id="{CA9F8557-FECB-3E6E-1761-D9DF62B8218F}"/>
-              </a:ext>
-            </a:extLst>
-          </p:cNvPr>
-          <p:cNvCxnSpPr>
-            <a:cxnSpLocks/>
-          </p:cNvCxnSpPr>
-          <p:nvPr/>
-        </p:nvCxnSpPr>
-        <p:spPr>
-          <a:xfrm>
-            <a:off x="8593838" y="2618812"/>
-            <a:ext cx="1142236" cy="0"/>
-          </a:xfrm>
-          <a:prstGeom prst="straightConnector1">
-            <a:avLst/>
-          </a:prstGeom>
-          <a:ln>
-            <a:solidFill>
-              <a:schemeClr val="tx1">
-                <a:lumMod val="85000"/>
-                <a:lumOff val="15000"/>
-              </a:schemeClr>
-            </a:solidFill>
-            <a:tailEnd type="triangle"/>
-          </a:ln>
-        </p:spPr>
-        <p:style>
-          <a:lnRef idx="1">
-            <a:schemeClr val="accent1"/>
-          </a:lnRef>
-          <a:fillRef idx="0">
-            <a:schemeClr val="accent1"/>
-          </a:fillRef>
-          <a:effectRef idx="0">
-            <a:schemeClr val="accent1"/>
-          </a:effectRef>
-          <a:fontRef idx="minor">
-            <a:schemeClr val="tx1"/>
-          </a:fontRef>
-        </p:style>
-      </p:cxnSp>
-      <p:sp>
-        <p:nvSpPr>
           <p:cNvPr id="30" name="TextBox 29">
             <a:extLst>
               <a:ext uri="{FF2B5EF4-FFF2-40B4-BE49-F238E27FC236}">
@@ -4953,10 +4341,10 @@
       </p:cxnSp>
       <p:sp>
         <p:nvSpPr>
-          <p:cNvPr id="35" name="Rectangle 34">
-            <a:extLst>
-              <a:ext uri="{FF2B5EF4-FFF2-40B4-BE49-F238E27FC236}">
-                <a16:creationId xmlns:a16="http://schemas.microsoft.com/office/drawing/2014/main" id="{AACEF1B7-6A7C-7A91-97F2-84C06B3E92F6}"/>
+          <p:cNvPr id="2" name="Rectangle: Rounded Corners 1">
+            <a:extLst>
+              <a:ext uri="{FF2B5EF4-FFF2-40B4-BE49-F238E27FC236}">
+                <a16:creationId xmlns:a16="http://schemas.microsoft.com/office/drawing/2014/main" id="{1865AD7C-2400-0AA1-9A7C-0DED30911A5A}"/>
               </a:ext>
             </a:extLst>
           </p:cNvPr>
@@ -4965,15 +4353,22 @@
         </p:nvSpPr>
         <p:spPr>
           <a:xfrm>
-            <a:off x="5878070" y="3129143"/>
-            <a:ext cx="2715768" cy="494172"/>
+            <a:off x="397999" y="954273"/>
+            <a:ext cx="2838892" cy="1339700"/>
           </a:xfrm>
-          <a:prstGeom prst="rect">
-            <a:avLst/>
+          <a:prstGeom prst="roundRect">
+            <a:avLst>
+              <a:gd name="adj" fmla="val 8396"/>
+            </a:avLst>
           </a:prstGeom>
           <a:solidFill>
             <a:schemeClr val="bg1"/>
           </a:solidFill>
+          <a:ln>
+            <a:solidFill>
+              <a:srgbClr val="00B050"/>
+            </a:solidFill>
+          </a:ln>
         </p:spPr>
         <p:style>
           <a:lnRef idx="2">
@@ -4995,35 +4390,85 @@
           <a:bodyPr rtlCol="0" anchor="ctr"/>
           <a:lstStyle/>
           <a:p>
-            <a:pPr algn="ctr"/>
-            <a:r>
-              <a:rPr lang="en-IN" sz="1400" dirty="0">
+            <a:pPr marL="171450" indent="-171450">
+              <a:buFont typeface="Arial" panose="020B0604020202020204" pitchFamily="34" charset="0"/>
+              <a:buChar char="•"/>
+            </a:pPr>
+            <a:r>
+              <a:rPr lang="en-IN" sz="1200" dirty="0">
                 <a:solidFill>
                   <a:schemeClr val="tx1"/>
                 </a:solidFill>
               </a:rPr>
-              <a:t>Developed python code</a:t>
-            </a:r>
-          </a:p>
-          <a:p>
-            <a:pPr algn="ctr"/>
-            <a:r>
-              <a:rPr lang="en-IN" sz="1400" dirty="0">
+              <a:t>Source GEO Accession viewer</a:t>
+            </a:r>
+          </a:p>
+          <a:p>
+            <a:pPr marL="171450" indent="-171450">
+              <a:buFont typeface="Arial" panose="020B0604020202020204" pitchFamily="34" charset="0"/>
+              <a:buChar char="•"/>
+            </a:pPr>
+            <a:r>
+              <a:rPr lang="en-IN" sz="1200" dirty="0">
                 <a:solidFill>
                   <a:schemeClr val="tx1"/>
                 </a:solidFill>
               </a:rPr>
-              <a:t>(5 – 10 Mins)</a:t>
-            </a:r>
-          </a:p>
-        </p:txBody>
-      </p:sp>
-      <p:sp>
-        <p:nvSpPr>
-          <p:cNvPr id="36" name="Rectangle 35">
-            <a:extLst>
-              <a:ext uri="{FF2B5EF4-FFF2-40B4-BE49-F238E27FC236}">
-                <a16:creationId xmlns:a16="http://schemas.microsoft.com/office/drawing/2014/main" id="{AACEF1B7-6A7C-7A91-97F2-84C06B3E92F6}"/>
+              <a:t>Only </a:t>
+            </a:r>
+            <a:r>
+              <a:rPr lang="en-IN" sz="1200" dirty="0" err="1">
+                <a:solidFill>
+                  <a:schemeClr val="tx1"/>
+                </a:solidFill>
+              </a:rPr>
+              <a:t>publically</a:t>
+            </a:r>
+            <a:r>
+              <a:rPr lang="en-IN" sz="1200" dirty="0">
+                <a:solidFill>
+                  <a:schemeClr val="tx1"/>
+                </a:solidFill>
+              </a:rPr>
+              <a:t> available format</a:t>
+            </a:r>
+          </a:p>
+          <a:p>
+            <a:pPr marL="171450" indent="-171450">
+              <a:buFont typeface="Arial" panose="020B0604020202020204" pitchFamily="34" charset="0"/>
+              <a:buChar char="•"/>
+            </a:pPr>
+            <a:r>
+              <a:rPr lang="en-IN" sz="1200" dirty="0">
+                <a:solidFill>
+                  <a:schemeClr val="tx1"/>
+                </a:solidFill>
+              </a:rPr>
+              <a:t>Find datasets using GEO Ids</a:t>
+            </a:r>
+          </a:p>
+          <a:p>
+            <a:pPr marL="171450" indent="-171450">
+              <a:buFont typeface="Arial" panose="020B0604020202020204" pitchFamily="34" charset="0"/>
+              <a:buChar char="•"/>
+            </a:pPr>
+            <a:r>
+              <a:rPr lang="en-IN" sz="1200" dirty="0">
+                <a:solidFill>
+                  <a:schemeClr val="tx1"/>
+                </a:solidFill>
+              </a:rPr>
+              <a:t>Cell annotation File + Raw Count Matrix</a:t>
+            </a:r>
+          </a:p>
+        </p:txBody>
+      </p:sp>
+      <p:sp>
+        <p:nvSpPr>
+          <p:cNvPr id="3" name="Rectangle 2">
+            <a:extLst>
+              <a:ext uri="{FF2B5EF4-FFF2-40B4-BE49-F238E27FC236}">
+                <a16:creationId xmlns:a16="http://schemas.microsoft.com/office/drawing/2014/main" id="{984B9847-349A-1D59-7C2B-396EB142D2F4}"/>
               </a:ext>
             </a:extLst>
           </p:cNvPr>
@@ -5032,15 +4477,20 @@
         </p:nvSpPr>
         <p:spPr>
           <a:xfrm>
-            <a:off x="9736074" y="3335493"/>
-            <a:ext cx="2343150" cy="494172"/>
+            <a:off x="514958" y="818710"/>
+            <a:ext cx="1254641" cy="249864"/>
           </a:xfrm>
           <a:prstGeom prst="rect">
             <a:avLst/>
           </a:prstGeom>
           <a:solidFill>
-            <a:schemeClr val="bg1"/>
+            <a:srgbClr val="41B883"/>
           </a:solidFill>
+          <a:ln>
+            <a:solidFill>
+              <a:schemeClr val="tx1"/>
+            </a:solidFill>
+          </a:ln>
         </p:spPr>
         <p:style>
           <a:lnRef idx="2">
@@ -5064,7 +4514,399 @@
           <a:p>
             <a:pPr algn="ctr"/>
             <a:r>
-              <a:rPr lang="en-IN" sz="1400" dirty="0" err="1">
+              <a:rPr lang="en-IN" dirty="0"/>
+              <a:t>txt.gz</a:t>
+            </a:r>
+          </a:p>
+        </p:txBody>
+      </p:sp>
+      <p:sp>
+        <p:nvSpPr>
+          <p:cNvPr id="4" name="Rectangle: Rounded Corners 3">
+            <a:extLst>
+              <a:ext uri="{FF2B5EF4-FFF2-40B4-BE49-F238E27FC236}">
+                <a16:creationId xmlns:a16="http://schemas.microsoft.com/office/drawing/2014/main" id="{ABBB500D-2EE8-9A84-3EC8-8757D4748EBD}"/>
+              </a:ext>
+            </a:extLst>
+          </p:cNvPr>
+          <p:cNvSpPr/>
+          <p:nvPr/>
+        </p:nvSpPr>
+        <p:spPr>
+          <a:xfrm>
+            <a:off x="4569508" y="954273"/>
+            <a:ext cx="2838892" cy="1339700"/>
+          </a:xfrm>
+          <a:prstGeom prst="roundRect">
+            <a:avLst>
+              <a:gd name="adj" fmla="val 8396"/>
+            </a:avLst>
+          </a:prstGeom>
+          <a:solidFill>
+            <a:schemeClr val="bg1"/>
+          </a:solidFill>
+          <a:ln>
+            <a:solidFill>
+              <a:srgbClr val="00B050"/>
+            </a:solidFill>
+          </a:ln>
+        </p:spPr>
+        <p:style>
+          <a:lnRef idx="2">
+            <a:schemeClr val="accent1">
+              <a:shade val="15000"/>
+            </a:schemeClr>
+          </a:lnRef>
+          <a:fillRef idx="1">
+            <a:schemeClr val="accent1"/>
+          </a:fillRef>
+          <a:effectRef idx="0">
+            <a:schemeClr val="accent1"/>
+          </a:effectRef>
+          <a:fontRef idx="minor">
+            <a:schemeClr val="lt1"/>
+          </a:fontRef>
+        </p:style>
+        <p:txBody>
+          <a:bodyPr rtlCol="0" anchor="ctr"/>
+          <a:lstStyle/>
+          <a:p>
+            <a:pPr marL="171450" indent="-171450">
+              <a:buFont typeface="Arial" panose="020B0604020202020204" pitchFamily="34" charset="0"/>
+              <a:buChar char="•"/>
+            </a:pPr>
+            <a:r>
+              <a:rPr lang="en-IN" sz="1200" dirty="0">
+                <a:solidFill>
+                  <a:schemeClr val="tx1"/>
+                </a:solidFill>
+              </a:rPr>
+              <a:t>Cell annotation + Raw Count matrix</a:t>
+            </a:r>
+          </a:p>
+          <a:p>
+            <a:pPr marL="171450" indent="-171450">
+              <a:buFont typeface="Arial" panose="020B0604020202020204" pitchFamily="34" charset="0"/>
+              <a:buChar char="•"/>
+            </a:pPr>
+            <a:r>
+              <a:rPr lang="en-IN" sz="1200" dirty="0">
+                <a:solidFill>
+                  <a:schemeClr val="tx1"/>
+                </a:solidFill>
+              </a:rPr>
+              <a:t>14 GB</a:t>
+            </a:r>
+          </a:p>
+          <a:p>
+            <a:pPr marL="171450" indent="-171450">
+              <a:buFont typeface="Arial" panose="020B0604020202020204" pitchFamily="34" charset="0"/>
+              <a:buChar char="•"/>
+            </a:pPr>
+            <a:r>
+              <a:rPr lang="en-IN" sz="1200" dirty="0">
+                <a:solidFill>
+                  <a:schemeClr val="tx1"/>
+                </a:solidFill>
+              </a:rPr>
+              <a:t>Conversion time – 5mins</a:t>
+            </a:r>
+          </a:p>
+        </p:txBody>
+      </p:sp>
+      <p:sp>
+        <p:nvSpPr>
+          <p:cNvPr id="5" name="Rectangle 4">
+            <a:extLst>
+              <a:ext uri="{FF2B5EF4-FFF2-40B4-BE49-F238E27FC236}">
+                <a16:creationId xmlns:a16="http://schemas.microsoft.com/office/drawing/2014/main" id="{C76F4095-9740-B267-8697-F7FC9E0B5F67}"/>
+              </a:ext>
+            </a:extLst>
+          </p:cNvPr>
+          <p:cNvSpPr/>
+          <p:nvPr/>
+        </p:nvSpPr>
+        <p:spPr>
+          <a:xfrm>
+            <a:off x="4659883" y="829341"/>
+            <a:ext cx="1254641" cy="249864"/>
+          </a:xfrm>
+          <a:prstGeom prst="rect">
+            <a:avLst/>
+          </a:prstGeom>
+          <a:solidFill>
+            <a:srgbClr val="41B883"/>
+          </a:solidFill>
+          <a:ln>
+            <a:solidFill>
+              <a:schemeClr val="tx1"/>
+            </a:solidFill>
+          </a:ln>
+        </p:spPr>
+        <p:style>
+          <a:lnRef idx="2">
+            <a:schemeClr val="accent1">
+              <a:shade val="15000"/>
+            </a:schemeClr>
+          </a:lnRef>
+          <a:fillRef idx="1">
+            <a:schemeClr val="accent1"/>
+          </a:fillRef>
+          <a:effectRef idx="0">
+            <a:schemeClr val="accent1"/>
+          </a:effectRef>
+          <a:fontRef idx="minor">
+            <a:schemeClr val="lt1"/>
+          </a:fontRef>
+        </p:style>
+        <p:txBody>
+          <a:bodyPr rtlCol="0" anchor="ctr"/>
+          <a:lstStyle/>
+          <a:p>
+            <a:pPr algn="ctr"/>
+            <a:r>
+              <a:rPr lang="en-IN" dirty="0"/>
+              <a:t>.h5ad</a:t>
+            </a:r>
+          </a:p>
+        </p:txBody>
+      </p:sp>
+      <p:sp>
+        <p:nvSpPr>
+          <p:cNvPr id="6" name="Rectangle: Rounded Corners 5">
+            <a:extLst>
+              <a:ext uri="{FF2B5EF4-FFF2-40B4-BE49-F238E27FC236}">
+                <a16:creationId xmlns:a16="http://schemas.microsoft.com/office/drawing/2014/main" id="{5B523E42-4D21-2E69-BEBB-BFF96DF85A2A}"/>
+              </a:ext>
+            </a:extLst>
+          </p:cNvPr>
+          <p:cNvSpPr/>
+          <p:nvPr/>
+        </p:nvSpPr>
+        <p:spPr>
+          <a:xfrm>
+            <a:off x="4569508" y="2606746"/>
+            <a:ext cx="2838892" cy="1339700"/>
+          </a:xfrm>
+          <a:prstGeom prst="roundRect">
+            <a:avLst>
+              <a:gd name="adj" fmla="val 8396"/>
+            </a:avLst>
+          </a:prstGeom>
+          <a:solidFill>
+            <a:schemeClr val="bg1"/>
+          </a:solidFill>
+          <a:ln>
+            <a:solidFill>
+              <a:srgbClr val="00B050"/>
+            </a:solidFill>
+          </a:ln>
+        </p:spPr>
+        <p:style>
+          <a:lnRef idx="2">
+            <a:schemeClr val="accent1">
+              <a:shade val="15000"/>
+            </a:schemeClr>
+          </a:lnRef>
+          <a:fillRef idx="1">
+            <a:schemeClr val="accent1"/>
+          </a:fillRef>
+          <a:effectRef idx="0">
+            <a:schemeClr val="accent1"/>
+          </a:effectRef>
+          <a:fontRef idx="minor">
+            <a:schemeClr val="lt1"/>
+          </a:fontRef>
+        </p:style>
+        <p:txBody>
+          <a:bodyPr rtlCol="0" anchor="ctr"/>
+          <a:lstStyle/>
+          <a:p>
+            <a:pPr marL="171450" indent="-171450">
+              <a:buFont typeface="Arial" panose="020B0604020202020204" pitchFamily="34" charset="0"/>
+              <a:buChar char="•"/>
+            </a:pPr>
+            <a:r>
+              <a:rPr lang="en-IN" sz="1200" dirty="0">
+                <a:solidFill>
+                  <a:schemeClr val="tx1"/>
+                </a:solidFill>
+              </a:rPr>
+              <a:t>Cell annotation + Raw Count matrix</a:t>
+            </a:r>
+          </a:p>
+          <a:p>
+            <a:pPr marL="171450" indent="-171450">
+              <a:buFont typeface="Arial" panose="020B0604020202020204" pitchFamily="34" charset="0"/>
+              <a:buChar char="•"/>
+            </a:pPr>
+            <a:r>
+              <a:rPr lang="en-IN" sz="1200" dirty="0">
+                <a:solidFill>
+                  <a:schemeClr val="tx1"/>
+                </a:solidFill>
+              </a:rPr>
+              <a:t>3 GB </a:t>
+            </a:r>
+          </a:p>
+          <a:p>
+            <a:pPr marL="171450" indent="-171450">
+              <a:buFont typeface="Arial" panose="020B0604020202020204" pitchFamily="34" charset="0"/>
+              <a:buChar char="•"/>
+            </a:pPr>
+            <a:r>
+              <a:rPr lang="en-IN" sz="1200" dirty="0">
+                <a:solidFill>
+                  <a:schemeClr val="tx1"/>
+                </a:solidFill>
+              </a:rPr>
+              <a:t>Conversion time – 10 mins (sometimes crash)</a:t>
+            </a:r>
+          </a:p>
+        </p:txBody>
+      </p:sp>
+      <p:sp>
+        <p:nvSpPr>
+          <p:cNvPr id="7" name="Rectangle 6">
+            <a:extLst>
+              <a:ext uri="{FF2B5EF4-FFF2-40B4-BE49-F238E27FC236}">
+                <a16:creationId xmlns:a16="http://schemas.microsoft.com/office/drawing/2014/main" id="{CFC30C86-DDFB-07E7-DAD8-740AA407226E}"/>
+              </a:ext>
+            </a:extLst>
+          </p:cNvPr>
+          <p:cNvSpPr/>
+          <p:nvPr/>
+        </p:nvSpPr>
+        <p:spPr>
+          <a:xfrm>
+            <a:off x="4734313" y="2523460"/>
+            <a:ext cx="1254641" cy="249864"/>
+          </a:xfrm>
+          <a:prstGeom prst="rect">
+            <a:avLst/>
+          </a:prstGeom>
+          <a:solidFill>
+            <a:srgbClr val="41B883"/>
+          </a:solidFill>
+          <a:ln>
+            <a:solidFill>
+              <a:schemeClr val="tx1"/>
+            </a:solidFill>
+          </a:ln>
+        </p:spPr>
+        <p:style>
+          <a:lnRef idx="2">
+            <a:schemeClr val="accent1">
+              <a:shade val="15000"/>
+            </a:schemeClr>
+          </a:lnRef>
+          <a:fillRef idx="1">
+            <a:schemeClr val="accent1"/>
+          </a:fillRef>
+          <a:effectRef idx="0">
+            <a:schemeClr val="accent1"/>
+          </a:effectRef>
+          <a:fontRef idx="minor">
+            <a:schemeClr val="lt1"/>
+          </a:fontRef>
+        </p:style>
+        <p:txBody>
+          <a:bodyPr rtlCol="0" anchor="ctr"/>
+          <a:lstStyle/>
+          <a:p>
+            <a:pPr algn="ctr"/>
+            <a:r>
+              <a:rPr lang="en-IN" dirty="0"/>
+              <a:t>.loom</a:t>
+            </a:r>
+          </a:p>
+        </p:txBody>
+      </p:sp>
+      <p:sp>
+        <p:nvSpPr>
+          <p:cNvPr id="8" name="Rectangle: Rounded Corners 7">
+            <a:extLst>
+              <a:ext uri="{FF2B5EF4-FFF2-40B4-BE49-F238E27FC236}">
+                <a16:creationId xmlns:a16="http://schemas.microsoft.com/office/drawing/2014/main" id="{33F61640-9CA8-CBA1-003D-7FAF4E1847EF}"/>
+              </a:ext>
+            </a:extLst>
+          </p:cNvPr>
+          <p:cNvSpPr/>
+          <p:nvPr/>
+        </p:nvSpPr>
+        <p:spPr>
+          <a:xfrm>
+            <a:off x="8427356" y="954273"/>
+            <a:ext cx="2838892" cy="1339700"/>
+          </a:xfrm>
+          <a:prstGeom prst="roundRect">
+            <a:avLst>
+              <a:gd name="adj" fmla="val 8396"/>
+            </a:avLst>
+          </a:prstGeom>
+          <a:solidFill>
+            <a:schemeClr val="bg1"/>
+          </a:solidFill>
+          <a:ln>
+            <a:solidFill>
+              <a:srgbClr val="00B050"/>
+            </a:solidFill>
+          </a:ln>
+        </p:spPr>
+        <p:style>
+          <a:lnRef idx="2">
+            <a:schemeClr val="accent1">
+              <a:shade val="15000"/>
+            </a:schemeClr>
+          </a:lnRef>
+          <a:fillRef idx="1">
+            <a:schemeClr val="accent1"/>
+          </a:fillRef>
+          <a:effectRef idx="0">
+            <a:schemeClr val="accent1"/>
+          </a:effectRef>
+          <a:fontRef idx="minor">
+            <a:schemeClr val="lt1"/>
+          </a:fontRef>
+        </p:style>
+        <p:txBody>
+          <a:bodyPr rtlCol="0" anchor="ctr"/>
+          <a:lstStyle/>
+          <a:p>
+            <a:pPr marL="171450" indent="-171450">
+              <a:buFont typeface="Arial" panose="020B0604020202020204" pitchFamily="34" charset="0"/>
+              <a:buChar char="•"/>
+            </a:pPr>
+            <a:r>
+              <a:rPr lang="en-IN" sz="1200" dirty="0">
+                <a:solidFill>
+                  <a:schemeClr val="tx1"/>
+                </a:solidFill>
+              </a:rPr>
+              <a:t>Standard hugging face Format</a:t>
+            </a:r>
+          </a:p>
+          <a:p>
+            <a:pPr marL="171450" indent="-171450">
+              <a:buFont typeface="Arial" panose="020B0604020202020204" pitchFamily="34" charset="0"/>
+              <a:buChar char="•"/>
+            </a:pPr>
+            <a:r>
+              <a:rPr lang="en-IN" sz="1200" dirty="0">
+                <a:solidFill>
+                  <a:schemeClr val="tx1"/>
+                </a:solidFill>
+              </a:rPr>
+              <a:t>350 MB</a:t>
+            </a:r>
+          </a:p>
+          <a:p>
+            <a:pPr marL="171450" indent="-171450">
+              <a:buFont typeface="Arial" panose="020B0604020202020204" pitchFamily="34" charset="0"/>
+              <a:buChar char="•"/>
+            </a:pPr>
+            <a:r>
+              <a:rPr lang="en-IN" sz="1200" dirty="0" err="1">
                 <a:solidFill>
                   <a:schemeClr val="tx1"/>
                 </a:solidFill>
@@ -5072,31 +4914,1336 @@
               <a:t>Geneformer’s</a:t>
             </a:r>
             <a:r>
-              <a:rPr lang="en-IN" sz="1400" dirty="0">
+              <a:rPr lang="en-IN" sz="1200" dirty="0">
                 <a:solidFill>
                   <a:schemeClr val="tx1"/>
                 </a:solidFill>
               </a:rPr>
-              <a:t> Tokenizer code</a:t>
-            </a:r>
-          </a:p>
-          <a:p>
-            <a:pPr algn="ctr"/>
-            <a:r>
-              <a:rPr lang="en-IN" sz="1400" dirty="0">
+              <a:t> rank value Encoding</a:t>
+            </a:r>
+          </a:p>
+          <a:p>
+            <a:pPr marL="171450" indent="-171450">
+              <a:buFont typeface="Arial" panose="020B0604020202020204" pitchFamily="34" charset="0"/>
+              <a:buChar char="•"/>
+            </a:pPr>
+            <a:r>
+              <a:rPr lang="en-IN" sz="1200" dirty="0">
                 <a:solidFill>
                   <a:schemeClr val="tx1"/>
                 </a:solidFill>
               </a:rPr>
-              <a:t>(5 Mins)</a:t>
-            </a:r>
-          </a:p>
-        </p:txBody>
-      </p:sp>
+              <a:t>Final input to </a:t>
+            </a:r>
+            <a:r>
+              <a:rPr lang="en-IN" sz="1200" dirty="0" err="1">
+                <a:solidFill>
+                  <a:schemeClr val="tx1"/>
+                </a:solidFill>
+              </a:rPr>
+              <a:t>Geneformer</a:t>
+            </a:r>
+            <a:endParaRPr lang="en-IN" sz="1200" dirty="0">
+              <a:solidFill>
+                <a:schemeClr val="tx1"/>
+              </a:solidFill>
+            </a:endParaRPr>
+          </a:p>
+        </p:txBody>
+      </p:sp>
+      <p:sp>
+        <p:nvSpPr>
+          <p:cNvPr id="9" name="Rectangle 8">
+            <a:extLst>
+              <a:ext uri="{FF2B5EF4-FFF2-40B4-BE49-F238E27FC236}">
+                <a16:creationId xmlns:a16="http://schemas.microsoft.com/office/drawing/2014/main" id="{CC6FBB7C-26D4-7EF4-47EC-6CE9405E9014}"/>
+              </a:ext>
+            </a:extLst>
+          </p:cNvPr>
+          <p:cNvSpPr/>
+          <p:nvPr/>
+        </p:nvSpPr>
+        <p:spPr>
+          <a:xfrm>
+            <a:off x="8592161" y="818710"/>
+            <a:ext cx="1254641" cy="249864"/>
+          </a:xfrm>
+          <a:prstGeom prst="rect">
+            <a:avLst/>
+          </a:prstGeom>
+          <a:solidFill>
+            <a:srgbClr val="41B883"/>
+          </a:solidFill>
+          <a:ln>
+            <a:solidFill>
+              <a:schemeClr val="tx1"/>
+            </a:solidFill>
+          </a:ln>
+        </p:spPr>
+        <p:style>
+          <a:lnRef idx="2">
+            <a:schemeClr val="accent1">
+              <a:shade val="15000"/>
+            </a:schemeClr>
+          </a:lnRef>
+          <a:fillRef idx="1">
+            <a:schemeClr val="accent1"/>
+          </a:fillRef>
+          <a:effectRef idx="0">
+            <a:schemeClr val="accent1"/>
+          </a:effectRef>
+          <a:fontRef idx="minor">
+            <a:schemeClr val="lt1"/>
+          </a:fontRef>
+        </p:style>
+        <p:txBody>
+          <a:bodyPr rtlCol="0" anchor="ctr"/>
+          <a:lstStyle/>
+          <a:p>
+            <a:pPr algn="ctr"/>
+            <a:r>
+              <a:rPr lang="en-IN" dirty="0"/>
+              <a:t>.dataset</a:t>
+            </a:r>
+          </a:p>
+        </p:txBody>
+      </p:sp>
+      <p:pic>
+        <p:nvPicPr>
+          <p:cNvPr id="22" name="Picture 21">
+            <a:extLst>
+              <a:ext uri="{FF2B5EF4-FFF2-40B4-BE49-F238E27FC236}">
+                <a16:creationId xmlns:a16="http://schemas.microsoft.com/office/drawing/2014/main" id="{89F81C8E-5394-765F-6B7D-25232A6EE2F9}"/>
+              </a:ext>
+            </a:extLst>
+          </p:cNvPr>
+          <p:cNvPicPr>
+            <a:picLocks noChangeAspect="1"/>
+          </p:cNvPicPr>
+          <p:nvPr/>
+        </p:nvPicPr>
+        <p:blipFill>
+          <a:blip r:embed="rId2"/>
+          <a:stretch>
+            <a:fillRect/>
+          </a:stretch>
+        </p:blipFill>
+        <p:spPr>
+          <a:xfrm>
+            <a:off x="194358" y="5130803"/>
+            <a:ext cx="3042533" cy="1545847"/>
+          </a:xfrm>
+          <a:prstGeom prst="rect">
+            <a:avLst/>
+          </a:prstGeom>
+          <a:ln>
+            <a:solidFill>
+              <a:schemeClr val="tx1"/>
+            </a:solidFill>
+          </a:ln>
+        </p:spPr>
+      </p:pic>
+      <p:cxnSp>
+        <p:nvCxnSpPr>
+          <p:cNvPr id="11" name="Straight Arrow Connector 10">
+            <a:extLst>
+              <a:ext uri="{FF2B5EF4-FFF2-40B4-BE49-F238E27FC236}">
+                <a16:creationId xmlns:a16="http://schemas.microsoft.com/office/drawing/2014/main" id="{66AD3198-48F1-E2DB-C3B9-CCADD1910F52}"/>
+              </a:ext>
+            </a:extLst>
+          </p:cNvPr>
+          <p:cNvCxnSpPr>
+            <a:stCxn id="2" idx="3"/>
+            <a:endCxn id="4" idx="1"/>
+          </p:cNvCxnSpPr>
+          <p:nvPr/>
+        </p:nvCxnSpPr>
+        <p:spPr>
+          <a:xfrm>
+            <a:off x="3236891" y="1624123"/>
+            <a:ext cx="1332617" cy="0"/>
+          </a:xfrm>
+          <a:prstGeom prst="straightConnector1">
+            <a:avLst/>
+          </a:prstGeom>
+          <a:ln>
+            <a:solidFill>
+              <a:srgbClr val="00B050"/>
+            </a:solidFill>
+            <a:tailEnd type="triangle"/>
+          </a:ln>
+        </p:spPr>
+        <p:style>
+          <a:lnRef idx="1">
+            <a:schemeClr val="accent1"/>
+          </a:lnRef>
+          <a:fillRef idx="0">
+            <a:schemeClr val="accent1"/>
+          </a:fillRef>
+          <a:effectRef idx="0">
+            <a:schemeClr val="accent1"/>
+          </a:effectRef>
+          <a:fontRef idx="minor">
+            <a:schemeClr val="tx1"/>
+          </a:fontRef>
+        </p:style>
+      </p:cxnSp>
+      <p:cxnSp>
+        <p:nvCxnSpPr>
+          <p:cNvPr id="14" name="Connector: Elbow 13">
+            <a:extLst>
+              <a:ext uri="{FF2B5EF4-FFF2-40B4-BE49-F238E27FC236}">
+                <a16:creationId xmlns:a16="http://schemas.microsoft.com/office/drawing/2014/main" id="{9F011BCF-D549-84A1-AB1F-91B8B4E6D22D}"/>
+              </a:ext>
+            </a:extLst>
+          </p:cNvPr>
+          <p:cNvCxnSpPr>
+            <a:stCxn id="2" idx="3"/>
+            <a:endCxn id="6" idx="1"/>
+          </p:cNvCxnSpPr>
+          <p:nvPr/>
+        </p:nvCxnSpPr>
+        <p:spPr>
+          <a:xfrm>
+            <a:off x="3236891" y="1624123"/>
+            <a:ext cx="1332617" cy="1652473"/>
+          </a:xfrm>
+          <a:prstGeom prst="bentConnector3">
+            <a:avLst/>
+          </a:prstGeom>
+          <a:ln>
+            <a:solidFill>
+              <a:srgbClr val="00B050"/>
+            </a:solidFill>
+            <a:tailEnd type="triangle"/>
+          </a:ln>
+        </p:spPr>
+        <p:style>
+          <a:lnRef idx="1">
+            <a:schemeClr val="accent1"/>
+          </a:lnRef>
+          <a:fillRef idx="0">
+            <a:schemeClr val="accent1"/>
+          </a:fillRef>
+          <a:effectRef idx="0">
+            <a:schemeClr val="accent1"/>
+          </a:effectRef>
+          <a:fontRef idx="minor">
+            <a:schemeClr val="tx1"/>
+          </a:fontRef>
+        </p:style>
+      </p:cxnSp>
+      <p:cxnSp>
+        <p:nvCxnSpPr>
+          <p:cNvPr id="16" name="Straight Arrow Connector 15">
+            <a:extLst>
+              <a:ext uri="{FF2B5EF4-FFF2-40B4-BE49-F238E27FC236}">
+                <a16:creationId xmlns:a16="http://schemas.microsoft.com/office/drawing/2014/main" id="{775C9B00-DF85-B277-5859-F6BDDC5F4C42}"/>
+              </a:ext>
+            </a:extLst>
+          </p:cNvPr>
+          <p:cNvCxnSpPr>
+            <a:stCxn id="4" idx="3"/>
+            <a:endCxn id="8" idx="1"/>
+          </p:cNvCxnSpPr>
+          <p:nvPr/>
+        </p:nvCxnSpPr>
+        <p:spPr>
+          <a:xfrm>
+            <a:off x="7408400" y="1624123"/>
+            <a:ext cx="1018956" cy="0"/>
+          </a:xfrm>
+          <a:prstGeom prst="straightConnector1">
+            <a:avLst/>
+          </a:prstGeom>
+          <a:ln>
+            <a:solidFill>
+              <a:srgbClr val="00B050"/>
+            </a:solidFill>
+            <a:tailEnd type="triangle"/>
+          </a:ln>
+        </p:spPr>
+        <p:style>
+          <a:lnRef idx="1">
+            <a:schemeClr val="accent1"/>
+          </a:lnRef>
+          <a:fillRef idx="0">
+            <a:schemeClr val="accent1"/>
+          </a:fillRef>
+          <a:effectRef idx="0">
+            <a:schemeClr val="accent1"/>
+          </a:effectRef>
+          <a:fontRef idx="minor">
+            <a:schemeClr val="tx1"/>
+          </a:fontRef>
+        </p:style>
+      </p:cxnSp>
+      <p:cxnSp>
+        <p:nvCxnSpPr>
+          <p:cNvPr id="18" name="Connector: Elbow 17">
+            <a:extLst>
+              <a:ext uri="{FF2B5EF4-FFF2-40B4-BE49-F238E27FC236}">
+                <a16:creationId xmlns:a16="http://schemas.microsoft.com/office/drawing/2014/main" id="{BCD84E65-0DF6-7902-BDFD-D5F0B86ABD7E}"/>
+              </a:ext>
+            </a:extLst>
+          </p:cNvPr>
+          <p:cNvCxnSpPr>
+            <a:stCxn id="6" idx="3"/>
+            <a:endCxn id="8" idx="1"/>
+          </p:cNvCxnSpPr>
+          <p:nvPr/>
+        </p:nvCxnSpPr>
+        <p:spPr>
+          <a:xfrm flipV="1">
+            <a:off x="7408400" y="1624123"/>
+            <a:ext cx="1018956" cy="1652473"/>
+          </a:xfrm>
+          <a:prstGeom prst="bentConnector3">
+            <a:avLst/>
+          </a:prstGeom>
+          <a:ln>
+            <a:solidFill>
+              <a:srgbClr val="00B050"/>
+            </a:solidFill>
+            <a:tailEnd type="triangle"/>
+          </a:ln>
+        </p:spPr>
+        <p:style>
+          <a:lnRef idx="1">
+            <a:schemeClr val="accent6"/>
+          </a:lnRef>
+          <a:fillRef idx="0">
+            <a:schemeClr val="accent6"/>
+          </a:fillRef>
+          <a:effectRef idx="0">
+            <a:schemeClr val="accent6"/>
+          </a:effectRef>
+          <a:fontRef idx="minor">
+            <a:schemeClr val="tx1"/>
+          </a:fontRef>
+        </p:style>
+      </p:cxnSp>
+      <p:graphicFrame>
+        <p:nvGraphicFramePr>
+          <p:cNvPr id="21" name="Table 20">
+            <a:extLst>
+              <a:ext uri="{FF2B5EF4-FFF2-40B4-BE49-F238E27FC236}">
+                <a16:creationId xmlns:a16="http://schemas.microsoft.com/office/drawing/2014/main" id="{C8DECCE2-3936-48AE-9CAA-BDE5F11EB09D}"/>
+              </a:ext>
+            </a:extLst>
+          </p:cNvPr>
+          <p:cNvGraphicFramePr>
+            <a:graphicFrameLocks noGrp="1"/>
+          </p:cNvGraphicFramePr>
+          <p:nvPr>
+            <p:extLst>
+              <p:ext uri="{D42A27DB-BD31-4B8C-83A1-F6EECF244321}">
+                <p14:modId xmlns:p14="http://schemas.microsoft.com/office/powerpoint/2010/main" val="3413185015"/>
+              </p:ext>
+            </p:extLst>
+          </p:nvPr>
+        </p:nvGraphicFramePr>
+        <p:xfrm>
+          <a:off x="3785191" y="5336948"/>
+          <a:ext cx="3772064" cy="1339700"/>
+        </p:xfrm>
+        <a:graphic>
+          <a:graphicData uri="http://schemas.openxmlformats.org/drawingml/2006/table">
+            <a:tbl>
+              <a:tblPr firstRow="1" bandRow="1">
+                <a:tableStyleId>{5940675A-B579-460E-94D1-54222C63F5DA}</a:tableStyleId>
+              </a:tblPr>
+              <a:tblGrid>
+                <a:gridCol w="943016">
+                  <a:extLst>
+                    <a:ext uri="{9D8B030D-6E8A-4147-A177-3AD203B41FA5}">
+                      <a16:colId xmlns:a16="http://schemas.microsoft.com/office/drawing/2014/main" val="3678003945"/>
+                    </a:ext>
+                  </a:extLst>
+                </a:gridCol>
+                <a:gridCol w="943016">
+                  <a:extLst>
+                    <a:ext uri="{9D8B030D-6E8A-4147-A177-3AD203B41FA5}">
+                      <a16:colId xmlns:a16="http://schemas.microsoft.com/office/drawing/2014/main" val="370115694"/>
+                    </a:ext>
+                  </a:extLst>
+                </a:gridCol>
+                <a:gridCol w="1008792">
+                  <a:extLst>
+                    <a:ext uri="{9D8B030D-6E8A-4147-A177-3AD203B41FA5}">
+                      <a16:colId xmlns:a16="http://schemas.microsoft.com/office/drawing/2014/main" val="1103466395"/>
+                    </a:ext>
+                  </a:extLst>
+                </a:gridCol>
+                <a:gridCol w="877240">
+                  <a:extLst>
+                    <a:ext uri="{9D8B030D-6E8A-4147-A177-3AD203B41FA5}">
+                      <a16:colId xmlns:a16="http://schemas.microsoft.com/office/drawing/2014/main" val="2318578467"/>
+                    </a:ext>
+                  </a:extLst>
+                </a:gridCol>
+              </a:tblGrid>
+              <a:tr h="334925">
+                <a:tc>
+                  <a:txBody>
+                    <a:bodyPr/>
+                    <a:lstStyle/>
+                    <a:p>
+                      <a:endParaRPr lang="en-IN" sz="1000" dirty="0"/>
+                    </a:p>
+                  </a:txBody>
+                  <a:tcPr>
+                    <a:lnL w="12700" cap="flat" cmpd="sng" algn="ctr">
+                      <a:solidFill>
+                        <a:schemeClr val="tx1"/>
+                      </a:solidFill>
+                      <a:prstDash val="solid"/>
+                      <a:round/>
+                      <a:headEnd type="none" w="med" len="med"/>
+                      <a:tailEnd type="none" w="med" len="med"/>
+                    </a:lnL>
+                    <a:lnR w="12700" cap="flat" cmpd="sng" algn="ctr">
+                      <a:solidFill>
+                        <a:schemeClr val="tx1"/>
+                      </a:solidFill>
+                      <a:prstDash val="solid"/>
+                      <a:round/>
+                      <a:headEnd type="none" w="med" len="med"/>
+                      <a:tailEnd type="none" w="med" len="med"/>
+                    </a:lnR>
+                    <a:lnT w="12700" cap="flat" cmpd="sng" algn="ctr">
+                      <a:solidFill>
+                        <a:schemeClr val="tx1"/>
+                      </a:solidFill>
+                      <a:prstDash val="solid"/>
+                      <a:round/>
+                      <a:headEnd type="none" w="med" len="med"/>
+                      <a:tailEnd type="none" w="med" len="med"/>
+                    </a:lnT>
+                    <a:lnB w="12700" cap="flat" cmpd="sng" algn="ctr">
+                      <a:solidFill>
+                        <a:schemeClr val="tx1"/>
+                      </a:solidFill>
+                      <a:prstDash val="solid"/>
+                      <a:round/>
+                      <a:headEnd type="none" w="med" len="med"/>
+                      <a:tailEnd type="none" w="med" len="med"/>
+                    </a:lnB>
+                    <a:lnTlToBr w="12700" cmpd="sng">
+                      <a:noFill/>
+                      <a:prstDash val="solid"/>
+                    </a:lnTlToBr>
+                    <a:lnBlToTr w="12700" cmpd="sng">
+                      <a:noFill/>
+                      <a:prstDash val="solid"/>
+                    </a:lnBlToTr>
+                  </a:tcPr>
+                </a:tc>
+                <a:tc>
+                  <a:txBody>
+                    <a:bodyPr/>
+                    <a:lstStyle/>
+                    <a:p>
+                      <a:r>
+                        <a:rPr lang="en-IN" sz="1000" dirty="0"/>
+                        <a:t>CELL 1</a:t>
+                      </a:r>
+                    </a:p>
+                  </a:txBody>
+                  <a:tcPr>
+                    <a:lnL w="12700" cap="flat" cmpd="sng" algn="ctr">
+                      <a:solidFill>
+                        <a:schemeClr val="tx1"/>
+                      </a:solidFill>
+                      <a:prstDash val="solid"/>
+                      <a:round/>
+                      <a:headEnd type="none" w="med" len="med"/>
+                      <a:tailEnd type="none" w="med" len="med"/>
+                    </a:lnL>
+                    <a:lnR w="12700" cap="flat" cmpd="sng" algn="ctr">
+                      <a:solidFill>
+                        <a:schemeClr val="tx1"/>
+                      </a:solidFill>
+                      <a:prstDash val="solid"/>
+                      <a:round/>
+                      <a:headEnd type="none" w="med" len="med"/>
+                      <a:tailEnd type="none" w="med" len="med"/>
+                    </a:lnR>
+                    <a:lnT w="12700" cap="flat" cmpd="sng" algn="ctr">
+                      <a:solidFill>
+                        <a:schemeClr val="tx1"/>
+                      </a:solidFill>
+                      <a:prstDash val="solid"/>
+                      <a:round/>
+                      <a:headEnd type="none" w="med" len="med"/>
+                      <a:tailEnd type="none" w="med" len="med"/>
+                    </a:lnT>
+                    <a:lnB w="12700" cap="flat" cmpd="sng" algn="ctr">
+                      <a:solidFill>
+                        <a:schemeClr val="tx1"/>
+                      </a:solidFill>
+                      <a:prstDash val="solid"/>
+                      <a:round/>
+                      <a:headEnd type="none" w="med" len="med"/>
+                      <a:tailEnd type="none" w="med" len="med"/>
+                    </a:lnB>
+                    <a:lnTlToBr w="12700" cmpd="sng">
+                      <a:noFill/>
+                      <a:prstDash val="solid"/>
+                    </a:lnTlToBr>
+                    <a:lnBlToTr w="12700" cmpd="sng">
+                      <a:noFill/>
+                      <a:prstDash val="solid"/>
+                    </a:lnBlToTr>
+                  </a:tcPr>
+                </a:tc>
+                <a:tc>
+                  <a:txBody>
+                    <a:bodyPr/>
+                    <a:lstStyle/>
+                    <a:p>
+                      <a:r>
+                        <a:rPr lang="en-IN" sz="1000" dirty="0"/>
+                        <a:t>CELL 2</a:t>
+                      </a:r>
+                    </a:p>
+                  </a:txBody>
+                  <a:tcPr>
+                    <a:lnL w="12700" cap="flat" cmpd="sng" algn="ctr">
+                      <a:solidFill>
+                        <a:schemeClr val="tx1"/>
+                      </a:solidFill>
+                      <a:prstDash val="solid"/>
+                      <a:round/>
+                      <a:headEnd type="none" w="med" len="med"/>
+                      <a:tailEnd type="none" w="med" len="med"/>
+                    </a:lnL>
+                    <a:lnR w="12700" cap="flat" cmpd="sng" algn="ctr">
+                      <a:solidFill>
+                        <a:schemeClr val="tx1"/>
+                      </a:solidFill>
+                      <a:prstDash val="solid"/>
+                      <a:round/>
+                      <a:headEnd type="none" w="med" len="med"/>
+                      <a:tailEnd type="none" w="med" len="med"/>
+                    </a:lnR>
+                    <a:lnT w="12700" cap="flat" cmpd="sng" algn="ctr">
+                      <a:solidFill>
+                        <a:schemeClr val="tx1"/>
+                      </a:solidFill>
+                      <a:prstDash val="solid"/>
+                      <a:round/>
+                      <a:headEnd type="none" w="med" len="med"/>
+                      <a:tailEnd type="none" w="med" len="med"/>
+                    </a:lnT>
+                    <a:lnB w="12700" cap="flat" cmpd="sng" algn="ctr">
+                      <a:solidFill>
+                        <a:schemeClr val="tx1"/>
+                      </a:solidFill>
+                      <a:prstDash val="solid"/>
+                      <a:round/>
+                      <a:headEnd type="none" w="med" len="med"/>
+                      <a:tailEnd type="none" w="med" len="med"/>
+                    </a:lnB>
+                    <a:lnTlToBr w="12700" cmpd="sng">
+                      <a:noFill/>
+                      <a:prstDash val="solid"/>
+                    </a:lnTlToBr>
+                    <a:lnBlToTr w="12700" cmpd="sng">
+                      <a:noFill/>
+                      <a:prstDash val="solid"/>
+                    </a:lnBlToTr>
+                  </a:tcPr>
+                </a:tc>
+                <a:tc>
+                  <a:txBody>
+                    <a:bodyPr/>
+                    <a:lstStyle/>
+                    <a:p>
+                      <a:r>
+                        <a:rPr lang="en-IN" sz="1000" dirty="0"/>
+                        <a:t>CELL 3</a:t>
+                      </a:r>
+                    </a:p>
+                  </a:txBody>
+                  <a:tcPr>
+                    <a:lnL w="12700" cap="flat" cmpd="sng" algn="ctr">
+                      <a:solidFill>
+                        <a:schemeClr val="tx1"/>
+                      </a:solidFill>
+                      <a:prstDash val="solid"/>
+                      <a:round/>
+                      <a:headEnd type="none" w="med" len="med"/>
+                      <a:tailEnd type="none" w="med" len="med"/>
+                    </a:lnL>
+                    <a:lnR w="12700" cap="flat" cmpd="sng" algn="ctr">
+                      <a:solidFill>
+                        <a:schemeClr val="tx1"/>
+                      </a:solidFill>
+                      <a:prstDash val="solid"/>
+                      <a:round/>
+                      <a:headEnd type="none" w="med" len="med"/>
+                      <a:tailEnd type="none" w="med" len="med"/>
+                    </a:lnR>
+                    <a:lnT w="12700" cap="flat" cmpd="sng" algn="ctr">
+                      <a:solidFill>
+                        <a:schemeClr val="tx1"/>
+                      </a:solidFill>
+                      <a:prstDash val="solid"/>
+                      <a:round/>
+                      <a:headEnd type="none" w="med" len="med"/>
+                      <a:tailEnd type="none" w="med" len="med"/>
+                    </a:lnT>
+                    <a:lnB w="12700" cap="flat" cmpd="sng" algn="ctr">
+                      <a:solidFill>
+                        <a:schemeClr val="tx1"/>
+                      </a:solidFill>
+                      <a:prstDash val="solid"/>
+                      <a:round/>
+                      <a:headEnd type="none" w="med" len="med"/>
+                      <a:tailEnd type="none" w="med" len="med"/>
+                    </a:lnB>
+                    <a:lnTlToBr w="12700" cmpd="sng">
+                      <a:noFill/>
+                      <a:prstDash val="solid"/>
+                    </a:lnTlToBr>
+                    <a:lnBlToTr w="12700" cmpd="sng">
+                      <a:noFill/>
+                      <a:prstDash val="solid"/>
+                    </a:lnBlToTr>
+                  </a:tcPr>
+                </a:tc>
+                <a:extLst>
+                  <a:ext uri="{0D108BD9-81ED-4DB2-BD59-A6C34878D82A}">
+                    <a16:rowId xmlns:a16="http://schemas.microsoft.com/office/drawing/2014/main" val="1713748705"/>
+                  </a:ext>
+                </a:extLst>
+              </a:tr>
+              <a:tr h="334925">
+                <a:tc>
+                  <a:txBody>
+                    <a:bodyPr/>
+                    <a:lstStyle/>
+                    <a:p>
+                      <a:r>
+                        <a:rPr lang="en-IN" sz="1000" dirty="0"/>
+                        <a:t>Gene 1</a:t>
+                      </a:r>
+                    </a:p>
+                  </a:txBody>
+                  <a:tcPr>
+                    <a:lnL w="12700" cap="flat" cmpd="sng" algn="ctr">
+                      <a:solidFill>
+                        <a:schemeClr val="tx1"/>
+                      </a:solidFill>
+                      <a:prstDash val="solid"/>
+                      <a:round/>
+                      <a:headEnd type="none" w="med" len="med"/>
+                      <a:tailEnd type="none" w="med" len="med"/>
+                    </a:lnL>
+                    <a:lnR w="12700" cap="flat" cmpd="sng" algn="ctr">
+                      <a:solidFill>
+                        <a:schemeClr val="tx1"/>
+                      </a:solidFill>
+                      <a:prstDash val="solid"/>
+                      <a:round/>
+                      <a:headEnd type="none" w="med" len="med"/>
+                      <a:tailEnd type="none" w="med" len="med"/>
+                    </a:lnR>
+                    <a:lnT w="12700" cap="flat" cmpd="sng" algn="ctr">
+                      <a:solidFill>
+                        <a:schemeClr val="tx1"/>
+                      </a:solidFill>
+                      <a:prstDash val="solid"/>
+                      <a:round/>
+                      <a:headEnd type="none" w="med" len="med"/>
+                      <a:tailEnd type="none" w="med" len="med"/>
+                    </a:lnT>
+                    <a:lnB w="12700" cap="flat" cmpd="sng" algn="ctr">
+                      <a:solidFill>
+                        <a:schemeClr val="tx1"/>
+                      </a:solidFill>
+                      <a:prstDash val="solid"/>
+                      <a:round/>
+                      <a:headEnd type="none" w="med" len="med"/>
+                      <a:tailEnd type="none" w="med" len="med"/>
+                    </a:lnB>
+                    <a:lnTlToBr w="12700" cmpd="sng">
+                      <a:noFill/>
+                      <a:prstDash val="solid"/>
+                    </a:lnTlToBr>
+                    <a:lnBlToTr w="12700" cmpd="sng">
+                      <a:noFill/>
+                      <a:prstDash val="solid"/>
+                    </a:lnBlToTr>
+                  </a:tcPr>
+                </a:tc>
+                <a:tc>
+                  <a:txBody>
+                    <a:bodyPr/>
+                    <a:lstStyle/>
+                    <a:p>
+                      <a:r>
+                        <a:rPr lang="en-IN" sz="1000" dirty="0"/>
+                        <a:t>10</a:t>
+                      </a:r>
+                    </a:p>
+                  </a:txBody>
+                  <a:tcPr>
+                    <a:lnL w="12700" cap="flat" cmpd="sng" algn="ctr">
+                      <a:solidFill>
+                        <a:schemeClr val="tx1"/>
+                      </a:solidFill>
+                      <a:prstDash val="solid"/>
+                      <a:round/>
+                      <a:headEnd type="none" w="med" len="med"/>
+                      <a:tailEnd type="none" w="med" len="med"/>
+                    </a:lnL>
+                    <a:lnR w="12700" cap="flat" cmpd="sng" algn="ctr">
+                      <a:solidFill>
+                        <a:schemeClr val="tx1"/>
+                      </a:solidFill>
+                      <a:prstDash val="solid"/>
+                      <a:round/>
+                      <a:headEnd type="none" w="med" len="med"/>
+                      <a:tailEnd type="none" w="med" len="med"/>
+                    </a:lnR>
+                    <a:lnT w="12700" cap="flat" cmpd="sng" algn="ctr">
+                      <a:solidFill>
+                        <a:schemeClr val="tx1"/>
+                      </a:solidFill>
+                      <a:prstDash val="solid"/>
+                      <a:round/>
+                      <a:headEnd type="none" w="med" len="med"/>
+                      <a:tailEnd type="none" w="med" len="med"/>
+                    </a:lnT>
+                    <a:lnB w="12700" cap="flat" cmpd="sng" algn="ctr">
+                      <a:solidFill>
+                        <a:schemeClr val="tx1"/>
+                      </a:solidFill>
+                      <a:prstDash val="solid"/>
+                      <a:round/>
+                      <a:headEnd type="none" w="med" len="med"/>
+                      <a:tailEnd type="none" w="med" len="med"/>
+                    </a:lnB>
+                    <a:lnTlToBr w="12700" cmpd="sng">
+                      <a:noFill/>
+                      <a:prstDash val="solid"/>
+                    </a:lnTlToBr>
+                    <a:lnBlToTr w="12700" cmpd="sng">
+                      <a:noFill/>
+                      <a:prstDash val="solid"/>
+                    </a:lnBlToTr>
+                  </a:tcPr>
+                </a:tc>
+                <a:tc>
+                  <a:txBody>
+                    <a:bodyPr/>
+                    <a:lstStyle/>
+                    <a:p>
+                      <a:r>
+                        <a:rPr lang="en-IN" sz="1000" dirty="0"/>
+                        <a:t>0</a:t>
+                      </a:r>
+                    </a:p>
+                  </a:txBody>
+                  <a:tcPr>
+                    <a:lnL w="12700" cap="flat" cmpd="sng" algn="ctr">
+                      <a:solidFill>
+                        <a:schemeClr val="tx1"/>
+                      </a:solidFill>
+                      <a:prstDash val="solid"/>
+                      <a:round/>
+                      <a:headEnd type="none" w="med" len="med"/>
+                      <a:tailEnd type="none" w="med" len="med"/>
+                    </a:lnL>
+                    <a:lnR w="12700" cap="flat" cmpd="sng" algn="ctr">
+                      <a:solidFill>
+                        <a:schemeClr val="tx1"/>
+                      </a:solidFill>
+                      <a:prstDash val="solid"/>
+                      <a:round/>
+                      <a:headEnd type="none" w="med" len="med"/>
+                      <a:tailEnd type="none" w="med" len="med"/>
+                    </a:lnR>
+                    <a:lnT w="12700" cap="flat" cmpd="sng" algn="ctr">
+                      <a:solidFill>
+                        <a:schemeClr val="tx1"/>
+                      </a:solidFill>
+                      <a:prstDash val="solid"/>
+                      <a:round/>
+                      <a:headEnd type="none" w="med" len="med"/>
+                      <a:tailEnd type="none" w="med" len="med"/>
+                    </a:lnT>
+                    <a:lnB w="12700" cap="flat" cmpd="sng" algn="ctr">
+                      <a:solidFill>
+                        <a:schemeClr val="tx1"/>
+                      </a:solidFill>
+                      <a:prstDash val="solid"/>
+                      <a:round/>
+                      <a:headEnd type="none" w="med" len="med"/>
+                      <a:tailEnd type="none" w="med" len="med"/>
+                    </a:lnB>
+                    <a:lnTlToBr w="12700" cmpd="sng">
+                      <a:noFill/>
+                      <a:prstDash val="solid"/>
+                    </a:lnTlToBr>
+                    <a:lnBlToTr w="12700" cmpd="sng">
+                      <a:noFill/>
+                      <a:prstDash val="solid"/>
+                    </a:lnBlToTr>
+                  </a:tcPr>
+                </a:tc>
+                <a:tc>
+                  <a:txBody>
+                    <a:bodyPr/>
+                    <a:lstStyle/>
+                    <a:p>
+                      <a:r>
+                        <a:rPr lang="en-IN" sz="1000" dirty="0"/>
+                        <a:t>0</a:t>
+                      </a:r>
+                    </a:p>
+                  </a:txBody>
+                  <a:tcPr>
+                    <a:lnL w="12700" cap="flat" cmpd="sng" algn="ctr">
+                      <a:solidFill>
+                        <a:schemeClr val="tx1"/>
+                      </a:solidFill>
+                      <a:prstDash val="solid"/>
+                      <a:round/>
+                      <a:headEnd type="none" w="med" len="med"/>
+                      <a:tailEnd type="none" w="med" len="med"/>
+                    </a:lnL>
+                    <a:lnR w="12700" cap="flat" cmpd="sng" algn="ctr">
+                      <a:solidFill>
+                        <a:schemeClr val="tx1"/>
+                      </a:solidFill>
+                      <a:prstDash val="solid"/>
+                      <a:round/>
+                      <a:headEnd type="none" w="med" len="med"/>
+                      <a:tailEnd type="none" w="med" len="med"/>
+                    </a:lnR>
+                    <a:lnT w="12700" cap="flat" cmpd="sng" algn="ctr">
+                      <a:solidFill>
+                        <a:schemeClr val="tx1"/>
+                      </a:solidFill>
+                      <a:prstDash val="solid"/>
+                      <a:round/>
+                      <a:headEnd type="none" w="med" len="med"/>
+                      <a:tailEnd type="none" w="med" len="med"/>
+                    </a:lnT>
+                    <a:lnB w="12700" cap="flat" cmpd="sng" algn="ctr">
+                      <a:solidFill>
+                        <a:schemeClr val="tx1"/>
+                      </a:solidFill>
+                      <a:prstDash val="solid"/>
+                      <a:round/>
+                      <a:headEnd type="none" w="med" len="med"/>
+                      <a:tailEnd type="none" w="med" len="med"/>
+                    </a:lnB>
+                    <a:lnTlToBr w="12700" cmpd="sng">
+                      <a:noFill/>
+                      <a:prstDash val="solid"/>
+                    </a:lnTlToBr>
+                    <a:lnBlToTr w="12700" cmpd="sng">
+                      <a:noFill/>
+                      <a:prstDash val="solid"/>
+                    </a:lnBlToTr>
+                  </a:tcPr>
+                </a:tc>
+                <a:extLst>
+                  <a:ext uri="{0D108BD9-81ED-4DB2-BD59-A6C34878D82A}">
+                    <a16:rowId xmlns:a16="http://schemas.microsoft.com/office/drawing/2014/main" val="3488676986"/>
+                  </a:ext>
+                </a:extLst>
+              </a:tr>
+              <a:tr h="334925">
+                <a:tc>
+                  <a:txBody>
+                    <a:bodyPr/>
+                    <a:lstStyle/>
+                    <a:p>
+                      <a:r>
+                        <a:rPr lang="en-IN" sz="1000" dirty="0"/>
+                        <a:t>Gene 2</a:t>
+                      </a:r>
+                    </a:p>
+                  </a:txBody>
+                  <a:tcPr>
+                    <a:lnL w="12700" cap="flat" cmpd="sng" algn="ctr">
+                      <a:solidFill>
+                        <a:schemeClr val="tx1"/>
+                      </a:solidFill>
+                      <a:prstDash val="solid"/>
+                      <a:round/>
+                      <a:headEnd type="none" w="med" len="med"/>
+                      <a:tailEnd type="none" w="med" len="med"/>
+                    </a:lnL>
+                    <a:lnR w="12700" cap="flat" cmpd="sng" algn="ctr">
+                      <a:solidFill>
+                        <a:schemeClr val="tx1"/>
+                      </a:solidFill>
+                      <a:prstDash val="solid"/>
+                      <a:round/>
+                      <a:headEnd type="none" w="med" len="med"/>
+                      <a:tailEnd type="none" w="med" len="med"/>
+                    </a:lnR>
+                    <a:lnT w="12700" cap="flat" cmpd="sng" algn="ctr">
+                      <a:solidFill>
+                        <a:schemeClr val="tx1"/>
+                      </a:solidFill>
+                      <a:prstDash val="solid"/>
+                      <a:round/>
+                      <a:headEnd type="none" w="med" len="med"/>
+                      <a:tailEnd type="none" w="med" len="med"/>
+                    </a:lnT>
+                    <a:lnB w="12700" cap="flat" cmpd="sng" algn="ctr">
+                      <a:solidFill>
+                        <a:schemeClr val="tx1"/>
+                      </a:solidFill>
+                      <a:prstDash val="solid"/>
+                      <a:round/>
+                      <a:headEnd type="none" w="med" len="med"/>
+                      <a:tailEnd type="none" w="med" len="med"/>
+                    </a:lnB>
+                    <a:lnTlToBr w="12700" cmpd="sng">
+                      <a:noFill/>
+                      <a:prstDash val="solid"/>
+                    </a:lnTlToBr>
+                    <a:lnBlToTr w="12700" cmpd="sng">
+                      <a:noFill/>
+                      <a:prstDash val="solid"/>
+                    </a:lnBlToTr>
+                  </a:tcPr>
+                </a:tc>
+                <a:tc>
+                  <a:txBody>
+                    <a:bodyPr/>
+                    <a:lstStyle/>
+                    <a:p>
+                      <a:r>
+                        <a:rPr lang="en-IN" sz="1000" dirty="0"/>
+                        <a:t>20</a:t>
+                      </a:r>
+                    </a:p>
+                  </a:txBody>
+                  <a:tcPr>
+                    <a:lnL w="12700" cap="flat" cmpd="sng" algn="ctr">
+                      <a:solidFill>
+                        <a:schemeClr val="tx1"/>
+                      </a:solidFill>
+                      <a:prstDash val="solid"/>
+                      <a:round/>
+                      <a:headEnd type="none" w="med" len="med"/>
+                      <a:tailEnd type="none" w="med" len="med"/>
+                    </a:lnL>
+                    <a:lnR w="12700" cap="flat" cmpd="sng" algn="ctr">
+                      <a:solidFill>
+                        <a:schemeClr val="tx1"/>
+                      </a:solidFill>
+                      <a:prstDash val="solid"/>
+                      <a:round/>
+                      <a:headEnd type="none" w="med" len="med"/>
+                      <a:tailEnd type="none" w="med" len="med"/>
+                    </a:lnR>
+                    <a:lnT w="12700" cap="flat" cmpd="sng" algn="ctr">
+                      <a:solidFill>
+                        <a:schemeClr val="tx1"/>
+                      </a:solidFill>
+                      <a:prstDash val="solid"/>
+                      <a:round/>
+                      <a:headEnd type="none" w="med" len="med"/>
+                      <a:tailEnd type="none" w="med" len="med"/>
+                    </a:lnT>
+                    <a:lnB w="12700" cap="flat" cmpd="sng" algn="ctr">
+                      <a:solidFill>
+                        <a:schemeClr val="tx1"/>
+                      </a:solidFill>
+                      <a:prstDash val="solid"/>
+                      <a:round/>
+                      <a:headEnd type="none" w="med" len="med"/>
+                      <a:tailEnd type="none" w="med" len="med"/>
+                    </a:lnB>
+                    <a:lnTlToBr w="12700" cmpd="sng">
+                      <a:noFill/>
+                      <a:prstDash val="solid"/>
+                    </a:lnTlToBr>
+                    <a:lnBlToTr w="12700" cmpd="sng">
+                      <a:noFill/>
+                      <a:prstDash val="solid"/>
+                    </a:lnBlToTr>
+                  </a:tcPr>
+                </a:tc>
+                <a:tc>
+                  <a:txBody>
+                    <a:bodyPr/>
+                    <a:lstStyle/>
+                    <a:p>
+                      <a:r>
+                        <a:rPr lang="en-IN" sz="1000" dirty="0"/>
+                        <a:t>30</a:t>
+                      </a:r>
+                    </a:p>
+                  </a:txBody>
+                  <a:tcPr>
+                    <a:lnL w="12700" cap="flat" cmpd="sng" algn="ctr">
+                      <a:solidFill>
+                        <a:schemeClr val="tx1"/>
+                      </a:solidFill>
+                      <a:prstDash val="solid"/>
+                      <a:round/>
+                      <a:headEnd type="none" w="med" len="med"/>
+                      <a:tailEnd type="none" w="med" len="med"/>
+                    </a:lnL>
+                    <a:lnR w="12700" cap="flat" cmpd="sng" algn="ctr">
+                      <a:solidFill>
+                        <a:schemeClr val="tx1"/>
+                      </a:solidFill>
+                      <a:prstDash val="solid"/>
+                      <a:round/>
+                      <a:headEnd type="none" w="med" len="med"/>
+                      <a:tailEnd type="none" w="med" len="med"/>
+                    </a:lnR>
+                    <a:lnT w="12700" cap="flat" cmpd="sng" algn="ctr">
+                      <a:solidFill>
+                        <a:schemeClr val="tx1"/>
+                      </a:solidFill>
+                      <a:prstDash val="solid"/>
+                      <a:round/>
+                      <a:headEnd type="none" w="med" len="med"/>
+                      <a:tailEnd type="none" w="med" len="med"/>
+                    </a:lnT>
+                    <a:lnB w="12700" cap="flat" cmpd="sng" algn="ctr">
+                      <a:solidFill>
+                        <a:schemeClr val="tx1"/>
+                      </a:solidFill>
+                      <a:prstDash val="solid"/>
+                      <a:round/>
+                      <a:headEnd type="none" w="med" len="med"/>
+                      <a:tailEnd type="none" w="med" len="med"/>
+                    </a:lnB>
+                    <a:lnTlToBr w="12700" cmpd="sng">
+                      <a:noFill/>
+                      <a:prstDash val="solid"/>
+                    </a:lnTlToBr>
+                    <a:lnBlToTr w="12700" cmpd="sng">
+                      <a:noFill/>
+                      <a:prstDash val="solid"/>
+                    </a:lnBlToTr>
+                  </a:tcPr>
+                </a:tc>
+                <a:tc>
+                  <a:txBody>
+                    <a:bodyPr/>
+                    <a:lstStyle/>
+                    <a:p>
+                      <a:r>
+                        <a:rPr lang="en-IN" sz="1000" dirty="0"/>
+                        <a:t>50</a:t>
+                      </a:r>
+                    </a:p>
+                  </a:txBody>
+                  <a:tcPr>
+                    <a:lnL w="12700" cap="flat" cmpd="sng" algn="ctr">
+                      <a:solidFill>
+                        <a:schemeClr val="tx1"/>
+                      </a:solidFill>
+                      <a:prstDash val="solid"/>
+                      <a:round/>
+                      <a:headEnd type="none" w="med" len="med"/>
+                      <a:tailEnd type="none" w="med" len="med"/>
+                    </a:lnL>
+                    <a:lnR w="12700" cap="flat" cmpd="sng" algn="ctr">
+                      <a:solidFill>
+                        <a:schemeClr val="tx1"/>
+                      </a:solidFill>
+                      <a:prstDash val="solid"/>
+                      <a:round/>
+                      <a:headEnd type="none" w="med" len="med"/>
+                      <a:tailEnd type="none" w="med" len="med"/>
+                    </a:lnR>
+                    <a:lnT w="12700" cap="flat" cmpd="sng" algn="ctr">
+                      <a:solidFill>
+                        <a:schemeClr val="tx1"/>
+                      </a:solidFill>
+                      <a:prstDash val="solid"/>
+                      <a:round/>
+                      <a:headEnd type="none" w="med" len="med"/>
+                      <a:tailEnd type="none" w="med" len="med"/>
+                    </a:lnT>
+                    <a:lnB w="12700" cap="flat" cmpd="sng" algn="ctr">
+                      <a:solidFill>
+                        <a:schemeClr val="tx1"/>
+                      </a:solidFill>
+                      <a:prstDash val="solid"/>
+                      <a:round/>
+                      <a:headEnd type="none" w="med" len="med"/>
+                      <a:tailEnd type="none" w="med" len="med"/>
+                    </a:lnB>
+                    <a:lnTlToBr w="12700" cmpd="sng">
+                      <a:noFill/>
+                      <a:prstDash val="solid"/>
+                    </a:lnTlToBr>
+                    <a:lnBlToTr w="12700" cmpd="sng">
+                      <a:noFill/>
+                      <a:prstDash val="solid"/>
+                    </a:lnBlToTr>
+                  </a:tcPr>
+                </a:tc>
+                <a:extLst>
+                  <a:ext uri="{0D108BD9-81ED-4DB2-BD59-A6C34878D82A}">
+                    <a16:rowId xmlns:a16="http://schemas.microsoft.com/office/drawing/2014/main" val="766814909"/>
+                  </a:ext>
+                </a:extLst>
+              </a:tr>
+              <a:tr h="334925">
+                <a:tc>
+                  <a:txBody>
+                    <a:bodyPr/>
+                    <a:lstStyle/>
+                    <a:p>
+                      <a:r>
+                        <a:rPr lang="en-IN" sz="1000" dirty="0"/>
+                        <a:t>Gene 3</a:t>
+                      </a:r>
+                    </a:p>
+                  </a:txBody>
+                  <a:tcPr>
+                    <a:lnL w="12700" cap="flat" cmpd="sng" algn="ctr">
+                      <a:solidFill>
+                        <a:schemeClr val="tx1"/>
+                      </a:solidFill>
+                      <a:prstDash val="solid"/>
+                      <a:round/>
+                      <a:headEnd type="none" w="med" len="med"/>
+                      <a:tailEnd type="none" w="med" len="med"/>
+                    </a:lnL>
+                    <a:lnR w="12700" cap="flat" cmpd="sng" algn="ctr">
+                      <a:solidFill>
+                        <a:schemeClr val="tx1"/>
+                      </a:solidFill>
+                      <a:prstDash val="solid"/>
+                      <a:round/>
+                      <a:headEnd type="none" w="med" len="med"/>
+                      <a:tailEnd type="none" w="med" len="med"/>
+                    </a:lnR>
+                    <a:lnT w="12700" cap="flat" cmpd="sng" algn="ctr">
+                      <a:solidFill>
+                        <a:schemeClr val="tx1"/>
+                      </a:solidFill>
+                      <a:prstDash val="solid"/>
+                      <a:round/>
+                      <a:headEnd type="none" w="med" len="med"/>
+                      <a:tailEnd type="none" w="med" len="med"/>
+                    </a:lnT>
+                    <a:lnB w="12700" cap="flat" cmpd="sng" algn="ctr">
+                      <a:solidFill>
+                        <a:schemeClr val="tx1"/>
+                      </a:solidFill>
+                      <a:prstDash val="solid"/>
+                      <a:round/>
+                      <a:headEnd type="none" w="med" len="med"/>
+                      <a:tailEnd type="none" w="med" len="med"/>
+                    </a:lnB>
+                    <a:lnTlToBr w="12700" cmpd="sng">
+                      <a:noFill/>
+                      <a:prstDash val="solid"/>
+                    </a:lnTlToBr>
+                    <a:lnBlToTr w="12700" cmpd="sng">
+                      <a:noFill/>
+                      <a:prstDash val="solid"/>
+                    </a:lnBlToTr>
+                  </a:tcPr>
+                </a:tc>
+                <a:tc>
+                  <a:txBody>
+                    <a:bodyPr/>
+                    <a:lstStyle/>
+                    <a:p>
+                      <a:r>
+                        <a:rPr lang="en-IN" sz="1000" dirty="0"/>
+                        <a:t>0</a:t>
+                      </a:r>
+                    </a:p>
+                  </a:txBody>
+                  <a:tcPr>
+                    <a:lnL w="12700" cap="flat" cmpd="sng" algn="ctr">
+                      <a:solidFill>
+                        <a:schemeClr val="tx1"/>
+                      </a:solidFill>
+                      <a:prstDash val="solid"/>
+                      <a:round/>
+                      <a:headEnd type="none" w="med" len="med"/>
+                      <a:tailEnd type="none" w="med" len="med"/>
+                    </a:lnL>
+                    <a:lnR w="12700" cap="flat" cmpd="sng" algn="ctr">
+                      <a:solidFill>
+                        <a:schemeClr val="tx1"/>
+                      </a:solidFill>
+                      <a:prstDash val="solid"/>
+                      <a:round/>
+                      <a:headEnd type="none" w="med" len="med"/>
+                      <a:tailEnd type="none" w="med" len="med"/>
+                    </a:lnR>
+                    <a:lnT w="12700" cap="flat" cmpd="sng" algn="ctr">
+                      <a:solidFill>
+                        <a:schemeClr val="tx1"/>
+                      </a:solidFill>
+                      <a:prstDash val="solid"/>
+                      <a:round/>
+                      <a:headEnd type="none" w="med" len="med"/>
+                      <a:tailEnd type="none" w="med" len="med"/>
+                    </a:lnT>
+                    <a:lnB w="12700" cap="flat" cmpd="sng" algn="ctr">
+                      <a:solidFill>
+                        <a:schemeClr val="tx1"/>
+                      </a:solidFill>
+                      <a:prstDash val="solid"/>
+                      <a:round/>
+                      <a:headEnd type="none" w="med" len="med"/>
+                      <a:tailEnd type="none" w="med" len="med"/>
+                    </a:lnB>
+                    <a:lnTlToBr w="12700" cmpd="sng">
+                      <a:noFill/>
+                      <a:prstDash val="solid"/>
+                    </a:lnTlToBr>
+                    <a:lnBlToTr w="12700" cmpd="sng">
+                      <a:noFill/>
+                      <a:prstDash val="solid"/>
+                    </a:lnBlToTr>
+                  </a:tcPr>
+                </a:tc>
+                <a:tc>
+                  <a:txBody>
+                    <a:bodyPr/>
+                    <a:lstStyle/>
+                    <a:p>
+                      <a:r>
+                        <a:rPr lang="en-IN" sz="1000" dirty="0"/>
+                        <a:t>50</a:t>
+                      </a:r>
+                    </a:p>
+                  </a:txBody>
+                  <a:tcPr>
+                    <a:lnL w="12700" cap="flat" cmpd="sng" algn="ctr">
+                      <a:solidFill>
+                        <a:schemeClr val="tx1"/>
+                      </a:solidFill>
+                      <a:prstDash val="solid"/>
+                      <a:round/>
+                      <a:headEnd type="none" w="med" len="med"/>
+                      <a:tailEnd type="none" w="med" len="med"/>
+                    </a:lnL>
+                    <a:lnR w="12700" cap="flat" cmpd="sng" algn="ctr">
+                      <a:solidFill>
+                        <a:schemeClr val="tx1"/>
+                      </a:solidFill>
+                      <a:prstDash val="solid"/>
+                      <a:round/>
+                      <a:headEnd type="none" w="med" len="med"/>
+                      <a:tailEnd type="none" w="med" len="med"/>
+                    </a:lnR>
+                    <a:lnT w="12700" cap="flat" cmpd="sng" algn="ctr">
+                      <a:solidFill>
+                        <a:schemeClr val="tx1"/>
+                      </a:solidFill>
+                      <a:prstDash val="solid"/>
+                      <a:round/>
+                      <a:headEnd type="none" w="med" len="med"/>
+                      <a:tailEnd type="none" w="med" len="med"/>
+                    </a:lnT>
+                    <a:lnB w="12700" cap="flat" cmpd="sng" algn="ctr">
+                      <a:solidFill>
+                        <a:schemeClr val="tx1"/>
+                      </a:solidFill>
+                      <a:prstDash val="solid"/>
+                      <a:round/>
+                      <a:headEnd type="none" w="med" len="med"/>
+                      <a:tailEnd type="none" w="med" len="med"/>
+                    </a:lnB>
+                    <a:lnTlToBr w="12700" cmpd="sng">
+                      <a:noFill/>
+                      <a:prstDash val="solid"/>
+                    </a:lnTlToBr>
+                    <a:lnBlToTr w="12700" cmpd="sng">
+                      <a:noFill/>
+                      <a:prstDash val="solid"/>
+                    </a:lnBlToTr>
+                  </a:tcPr>
+                </a:tc>
+                <a:tc>
+                  <a:txBody>
+                    <a:bodyPr/>
+                    <a:lstStyle/>
+                    <a:p>
+                      <a:r>
+                        <a:rPr lang="en-IN" sz="1000" dirty="0"/>
+                        <a:t>60</a:t>
+                      </a:r>
+                    </a:p>
+                  </a:txBody>
+                  <a:tcPr>
+                    <a:lnL w="12700" cap="flat" cmpd="sng" algn="ctr">
+                      <a:solidFill>
+                        <a:schemeClr val="tx1"/>
+                      </a:solidFill>
+                      <a:prstDash val="solid"/>
+                      <a:round/>
+                      <a:headEnd type="none" w="med" len="med"/>
+                      <a:tailEnd type="none" w="med" len="med"/>
+                    </a:lnL>
+                    <a:lnR w="12700" cap="flat" cmpd="sng" algn="ctr">
+                      <a:solidFill>
+                        <a:schemeClr val="tx1"/>
+                      </a:solidFill>
+                      <a:prstDash val="solid"/>
+                      <a:round/>
+                      <a:headEnd type="none" w="med" len="med"/>
+                      <a:tailEnd type="none" w="med" len="med"/>
+                    </a:lnR>
+                    <a:lnT w="12700" cap="flat" cmpd="sng" algn="ctr">
+                      <a:solidFill>
+                        <a:schemeClr val="tx1"/>
+                      </a:solidFill>
+                      <a:prstDash val="solid"/>
+                      <a:round/>
+                      <a:headEnd type="none" w="med" len="med"/>
+                      <a:tailEnd type="none" w="med" len="med"/>
+                    </a:lnT>
+                    <a:lnB w="12700" cap="flat" cmpd="sng" algn="ctr">
+                      <a:solidFill>
+                        <a:schemeClr val="tx1"/>
+                      </a:solidFill>
+                      <a:prstDash val="solid"/>
+                      <a:round/>
+                      <a:headEnd type="none" w="med" len="med"/>
+                      <a:tailEnd type="none" w="med" len="med"/>
+                    </a:lnB>
+                    <a:lnTlToBr w="12700" cmpd="sng">
+                      <a:noFill/>
+                      <a:prstDash val="solid"/>
+                    </a:lnTlToBr>
+                    <a:lnBlToTr w="12700" cmpd="sng">
+                      <a:noFill/>
+                      <a:prstDash val="solid"/>
+                    </a:lnBlToTr>
+                  </a:tcPr>
+                </a:tc>
+                <a:extLst>
+                  <a:ext uri="{0D108BD9-81ED-4DB2-BD59-A6C34878D82A}">
+                    <a16:rowId xmlns:a16="http://schemas.microsoft.com/office/drawing/2014/main" val="2485765586"/>
+                  </a:ext>
+                </a:extLst>
+              </a:tr>
+            </a:tbl>
+          </a:graphicData>
+        </a:graphic>
+      </p:graphicFrame>
     </p:spTree>
     <p:extLst>
       <p:ext uri="{BB962C8B-B14F-4D97-AF65-F5344CB8AC3E}">
-        <p14:creationId xmlns:p14="http://schemas.microsoft.com/office/powerpoint/2010/main" val="23415435"/>
+        <p14:creationId xmlns:p14="http://schemas.microsoft.com/office/powerpoint/2010/main" val="1693003618"/>
       </p:ext>
     </p:extLst>
   </p:cSld>
@@ -5128,7 +6275,7 @@
           <p:cNvPr id="4" name="TextBox 3">
             <a:extLst>
               <a:ext uri="{FF2B5EF4-FFF2-40B4-BE49-F238E27FC236}">
-                <a16:creationId xmlns:a16="http://schemas.microsoft.com/office/drawing/2014/main" id="{62D48F9F-A7E4-1756-A768-5B85CF1BA912}"/>
+                <a16:creationId xmlns:a16="http://schemas.microsoft.com/office/drawing/2014/main" id="{DCB04F5E-8993-EF83-A085-506742C45954}"/>
               </a:ext>
             </a:extLst>
           </p:cNvPr>
@@ -5153,7 +6300,7 @@
           <a:p>
             <a:r>
               <a:rPr lang="en-IN" b="1" dirty="0"/>
-              <a:t>GENE PERTURBATION ANALYSIS SAMPLE WORKFLOW</a:t>
+              <a:t>PERTURBATION ANALYSIS SAMPLE WORKFLOW</a:t>
             </a:r>
           </a:p>
         </p:txBody>
@@ -5163,7 +6310,7 @@
           <p:cNvPr id="5" name="Straight Connector 4">
             <a:extLst>
               <a:ext uri="{FF2B5EF4-FFF2-40B4-BE49-F238E27FC236}">
-                <a16:creationId xmlns:a16="http://schemas.microsoft.com/office/drawing/2014/main" id="{874E73AE-7D4B-45D5-5FF3-C11863D7BEBB}"/>
+                <a16:creationId xmlns:a16="http://schemas.microsoft.com/office/drawing/2014/main" id="{E9F8A1C7-DEF5-0075-E579-F328C4699F39}"/>
               </a:ext>
             </a:extLst>
           </p:cNvPr>
@@ -5199,7 +6346,7 @@
           <p:cNvPr id="6" name="Rectangle 5">
             <a:extLst>
               <a:ext uri="{FF2B5EF4-FFF2-40B4-BE49-F238E27FC236}">
-                <a16:creationId xmlns:a16="http://schemas.microsoft.com/office/drawing/2014/main" id="{BE490D84-FB9C-193D-496B-4D0C5875C0B6}"/>
+                <a16:creationId xmlns:a16="http://schemas.microsoft.com/office/drawing/2014/main" id="{68603009-6522-74F6-B3A8-73FAA4E1DB1A}"/>
               </a:ext>
             </a:extLst>
           </p:cNvPr>
@@ -5208,8 +6355,8 @@
         </p:nvSpPr>
         <p:spPr>
           <a:xfrm>
-            <a:off x="1396845" y="1152140"/>
-            <a:ext cx="3244407" cy="841250"/>
+            <a:off x="173978" y="1042384"/>
+            <a:ext cx="2367079" cy="502651"/>
           </a:xfrm>
           <a:prstGeom prst="rect">
             <a:avLst/>
@@ -5217,6 +6364,11 @@
           <a:solidFill>
             <a:schemeClr val="bg1"/>
           </a:solidFill>
+          <a:ln>
+            <a:solidFill>
+              <a:srgbClr val="00B050"/>
+            </a:solidFill>
+          </a:ln>
         </p:spPr>
         <p:style>
           <a:lnRef idx="2">
@@ -5238,45 +6390,13 @@
           <a:bodyPr rtlCol="0" anchor="ctr"/>
           <a:lstStyle/>
           <a:p>
-            <a:pPr marL="171450" indent="-171450">
-              <a:buFont typeface="Arial" panose="020B0604020202020204" pitchFamily="34" charset="0"/>
-              <a:buChar char="•"/>
-            </a:pPr>
             <a:r>
               <a:rPr lang="en-IN" sz="1200" dirty="0">
                 <a:solidFill>
                   <a:schemeClr val="tx1"/>
                 </a:solidFill>
               </a:rPr>
-              <a:t>Select the dataset (.HF format) </a:t>
-            </a:r>
-          </a:p>
-          <a:p>
-            <a:pPr marL="171450" indent="-171450">
-              <a:buFont typeface="Arial" panose="020B0604020202020204" pitchFamily="34" charset="0"/>
-              <a:buChar char="•"/>
-            </a:pPr>
-            <a:r>
-              <a:rPr lang="en-IN" sz="1200" dirty="0">
-                <a:solidFill>
-                  <a:schemeClr val="tx1"/>
-                </a:solidFill>
-              </a:rPr>
-              <a:t>cell type</a:t>
-            </a:r>
-          </a:p>
-          <a:p>
-            <a:pPr marL="171450" indent="-171450">
-              <a:buFont typeface="Arial" panose="020B0604020202020204" pitchFamily="34" charset="0"/>
-              <a:buChar char="•"/>
-            </a:pPr>
-            <a:r>
-              <a:rPr lang="en-IN" sz="1200" dirty="0">
-                <a:solidFill>
-                  <a:schemeClr val="tx1"/>
-                </a:solidFill>
-              </a:rPr>
-              <a:t>gene or gene pairs</a:t>
+              <a:t>Select dataset  </a:t>
             </a:r>
           </a:p>
           <a:p>
@@ -5290,10 +6410,10 @@
       </p:sp>
       <p:sp>
         <p:nvSpPr>
-          <p:cNvPr id="12" name="Rectangle 11">
-            <a:extLst>
-              <a:ext uri="{FF2B5EF4-FFF2-40B4-BE49-F238E27FC236}">
-                <a16:creationId xmlns:a16="http://schemas.microsoft.com/office/drawing/2014/main" id="{B4F1D486-2303-2CA1-F583-88A5996865AE}"/>
+          <p:cNvPr id="8" name="Rectangle 7">
+            <a:extLst>
+              <a:ext uri="{FF2B5EF4-FFF2-40B4-BE49-F238E27FC236}">
+                <a16:creationId xmlns:a16="http://schemas.microsoft.com/office/drawing/2014/main" id="{5CA3D713-1137-E698-3058-66D2B36B2862}"/>
               </a:ext>
             </a:extLst>
           </p:cNvPr>
@@ -5302,8 +6422,8 @@
         </p:nvSpPr>
         <p:spPr>
           <a:xfrm>
-            <a:off x="6488999" y="1152141"/>
-            <a:ext cx="4450461" cy="2582917"/>
+            <a:off x="173978" y="1988412"/>
+            <a:ext cx="2367079" cy="502651"/>
           </a:xfrm>
           <a:prstGeom prst="rect">
             <a:avLst/>
@@ -5311,6 +6431,11 @@
           <a:solidFill>
             <a:schemeClr val="bg1"/>
           </a:solidFill>
+          <a:ln>
+            <a:solidFill>
+              <a:srgbClr val="00B050"/>
+            </a:solidFill>
+          </a:ln>
         </p:spPr>
         <p:style>
           <a:lnRef idx="2">
@@ -5332,115 +6457,30 @@
           <a:bodyPr rtlCol="0" anchor="ctr"/>
           <a:lstStyle/>
           <a:p>
-            <a:pPr algn="ctr"/>
             <a:r>
               <a:rPr lang="en-IN" sz="1200" dirty="0">
                 <a:solidFill>
                   <a:schemeClr val="tx1"/>
                 </a:solidFill>
               </a:rPr>
-              <a:t>Do Gene Perturbation</a:t>
-            </a:r>
-          </a:p>
-          <a:p>
-            <a:pPr algn="ctr"/>
-            <a:r>
-              <a:rPr lang="en-IN" sz="1200" dirty="0">
-                <a:solidFill>
-                  <a:schemeClr val="tx1"/>
-                </a:solidFill>
-              </a:rPr>
-              <a:t>(Deletion or overexpression)</a:t>
-            </a:r>
-          </a:p>
-          <a:p>
-            <a:pPr algn="ctr"/>
+              <a:t>Define classification task  </a:t>
+            </a:r>
+          </a:p>
+          <a:p>
             <a:endParaRPr lang="en-IN" sz="1200" dirty="0">
               <a:solidFill>
                 <a:schemeClr val="tx1"/>
               </a:solidFill>
             </a:endParaRPr>
           </a:p>
-          <a:p>
-            <a:pPr algn="ctr"/>
-            <a:endParaRPr lang="en-IN" sz="1200" dirty="0">
-              <a:solidFill>
-                <a:schemeClr val="tx1"/>
-              </a:solidFill>
-            </a:endParaRPr>
-          </a:p>
-          <a:p>
-            <a:pPr algn="ctr"/>
-            <a:endParaRPr lang="en-IN" sz="1200" dirty="0">
-              <a:solidFill>
-                <a:schemeClr val="tx1"/>
-              </a:solidFill>
-            </a:endParaRPr>
-          </a:p>
-          <a:p>
-            <a:pPr algn="ctr"/>
-            <a:endParaRPr lang="en-IN" sz="1200" dirty="0">
-              <a:solidFill>
-                <a:schemeClr val="tx1"/>
-              </a:solidFill>
-            </a:endParaRPr>
-          </a:p>
-          <a:p>
-            <a:pPr algn="ctr"/>
-            <a:endParaRPr lang="en-IN" sz="1200" dirty="0">
-              <a:solidFill>
-                <a:schemeClr val="tx1"/>
-              </a:solidFill>
-            </a:endParaRPr>
-          </a:p>
-          <a:p>
-            <a:pPr algn="ctr"/>
-            <a:endParaRPr lang="en-IN" sz="1200" dirty="0">
-              <a:solidFill>
-                <a:schemeClr val="tx1"/>
-              </a:solidFill>
-            </a:endParaRPr>
-          </a:p>
-          <a:p>
-            <a:pPr algn="ctr"/>
-            <a:endParaRPr lang="en-IN" sz="1200" dirty="0">
-              <a:solidFill>
-                <a:schemeClr val="tx1"/>
-              </a:solidFill>
-            </a:endParaRPr>
-          </a:p>
-          <a:p>
-            <a:pPr algn="ctr"/>
-            <a:endParaRPr lang="en-IN" sz="1200" dirty="0">
-              <a:solidFill>
-                <a:schemeClr val="tx1"/>
-              </a:solidFill>
-            </a:endParaRPr>
-          </a:p>
-          <a:p>
-            <a:pPr algn="ctr"/>
-            <a:endParaRPr lang="en-IN" sz="1200" dirty="0">
-              <a:solidFill>
-                <a:schemeClr val="tx1"/>
-              </a:solidFill>
-            </a:endParaRPr>
-          </a:p>
-          <a:p>
-            <a:pPr algn="ctr"/>
-            <a:endParaRPr lang="en-IN" sz="1200" dirty="0">
-              <a:solidFill>
-                <a:schemeClr val="tx1"/>
-              </a:solidFill>
-            </a:endParaRPr>
-          </a:p>
-        </p:txBody>
-      </p:sp>
-      <p:sp>
-        <p:nvSpPr>
-          <p:cNvPr id="13" name="Rectangle 12">
-            <a:extLst>
-              <a:ext uri="{FF2B5EF4-FFF2-40B4-BE49-F238E27FC236}">
-                <a16:creationId xmlns:a16="http://schemas.microsoft.com/office/drawing/2014/main" id="{FA345BA1-AA35-2623-CD7A-1BC703F96B9F}"/>
+        </p:txBody>
+      </p:sp>
+      <p:sp>
+        <p:nvSpPr>
+          <p:cNvPr id="12" name="Flowchart: Decision 11">
+            <a:extLst>
+              <a:ext uri="{FF2B5EF4-FFF2-40B4-BE49-F238E27FC236}">
+                <a16:creationId xmlns:a16="http://schemas.microsoft.com/office/drawing/2014/main" id="{16DDD016-CEA6-5B6E-AD98-C39D3411689C}"/>
               </a:ext>
             </a:extLst>
           </p:cNvPr>
@@ -5449,15 +6489,20 @@
         </p:nvSpPr>
         <p:spPr>
           <a:xfrm>
-            <a:off x="7661810" y="4456799"/>
-            <a:ext cx="2104837" cy="531484"/>
+            <a:off x="112776" y="2826632"/>
+            <a:ext cx="2495479" cy="2073345"/>
           </a:xfrm>
-          <a:prstGeom prst="rect">
+          <a:prstGeom prst="flowChartDecision">
             <a:avLst/>
           </a:prstGeom>
           <a:solidFill>
             <a:schemeClr val="bg1"/>
           </a:solidFill>
+          <a:ln>
+            <a:solidFill>
+              <a:srgbClr val="00B050"/>
+            </a:solidFill>
+          </a:ln>
         </p:spPr>
         <p:style>
           <a:lnRef idx="2">
@@ -5486,28 +6531,17 @@
                   <a:schemeClr val="tx1"/>
                 </a:solidFill>
               </a:rPr>
-              <a:t>Interpret results </a:t>
-            </a:r>
-          </a:p>
-          <a:p>
-            <a:pPr algn="ctr"/>
-            <a:r>
-              <a:rPr lang="en-IN" sz="1200" dirty="0">
-                <a:solidFill>
-                  <a:schemeClr val="tx1"/>
-                </a:solidFill>
-              </a:rPr>
-              <a:t>(Cosine Similarity value)</a:t>
-            </a:r>
-          </a:p>
-        </p:txBody>
-      </p:sp>
-      <p:sp>
-        <p:nvSpPr>
-          <p:cNvPr id="30" name="Rectangle 29">
-            <a:extLst>
-              <a:ext uri="{FF2B5EF4-FFF2-40B4-BE49-F238E27FC236}">
-                <a16:creationId xmlns:a16="http://schemas.microsoft.com/office/drawing/2014/main" id="{196F04D1-3275-5FF4-7EC6-2B73EDE2C229}"/>
+              <a:t>Pretrained or Fine-Tuned</a:t>
+            </a:r>
+          </a:p>
+        </p:txBody>
+      </p:sp>
+      <p:sp>
+        <p:nvSpPr>
+          <p:cNvPr id="13" name="Rectangle 12">
+            <a:extLst>
+              <a:ext uri="{FF2B5EF4-FFF2-40B4-BE49-F238E27FC236}">
+                <a16:creationId xmlns:a16="http://schemas.microsoft.com/office/drawing/2014/main" id="{FBA06EF9-0502-637E-FB7E-C23942D6E593}"/>
               </a:ext>
             </a:extLst>
           </p:cNvPr>
@@ -5516,15 +6550,20 @@
         </p:nvSpPr>
         <p:spPr>
           <a:xfrm>
-            <a:off x="245175" y="2371060"/>
-            <a:ext cx="5552121" cy="3974867"/>
+            <a:off x="148323" y="5550420"/>
+            <a:ext cx="2418387" cy="552781"/>
           </a:xfrm>
           <a:prstGeom prst="rect">
             <a:avLst/>
           </a:prstGeom>
           <a:solidFill>
-            <a:schemeClr val="bg1"/>
+            <a:srgbClr val="ACE2CA"/>
           </a:solidFill>
+          <a:ln>
+            <a:solidFill>
+              <a:srgbClr val="00B050"/>
+            </a:solidFill>
+          </a:ln>
         </p:spPr>
         <p:style>
           <a:lnRef idx="2">
@@ -5546,168 +6585,30 @@
           <a:bodyPr rtlCol="0" anchor="ctr"/>
           <a:lstStyle/>
           <a:p>
-            <a:pPr algn="ctr"/>
             <a:r>
               <a:rPr lang="en-IN" sz="1200" dirty="0">
                 <a:solidFill>
                   <a:schemeClr val="tx1"/>
                 </a:solidFill>
               </a:rPr>
-              <a:t>Generate Cell Embeddings</a:t>
-            </a:r>
-          </a:p>
-          <a:p>
-            <a:pPr algn="ctr"/>
-            <a:endParaRPr lang="en-IN" sz="1200" dirty="0">
+              <a:t>Pretrained weights (1-2 mins)  </a:t>
+            </a:r>
+          </a:p>
+          <a:p>
+            <a:endParaRPr lang="en-IN" sz="1400" dirty="0">
               <a:solidFill>
                 <a:schemeClr val="tx1"/>
               </a:solidFill>
             </a:endParaRPr>
           </a:p>
-          <a:p>
-            <a:pPr algn="ctr"/>
-            <a:endParaRPr lang="en-IN" sz="1200" dirty="0">
-              <a:solidFill>
-                <a:schemeClr val="tx1"/>
-              </a:solidFill>
-            </a:endParaRPr>
-          </a:p>
-          <a:p>
-            <a:pPr algn="ctr"/>
-            <a:endParaRPr lang="en-IN" sz="1200" dirty="0">
-              <a:solidFill>
-                <a:schemeClr val="tx1"/>
-              </a:solidFill>
-            </a:endParaRPr>
-          </a:p>
-          <a:p>
-            <a:pPr algn="ctr"/>
-            <a:endParaRPr lang="en-IN" sz="1200" dirty="0">
-              <a:solidFill>
-                <a:schemeClr val="tx1"/>
-              </a:solidFill>
-            </a:endParaRPr>
-          </a:p>
-          <a:p>
-            <a:pPr algn="ctr"/>
-            <a:endParaRPr lang="en-IN" sz="1200" dirty="0">
-              <a:solidFill>
-                <a:schemeClr val="tx1"/>
-              </a:solidFill>
-            </a:endParaRPr>
-          </a:p>
-          <a:p>
-            <a:pPr algn="ctr"/>
-            <a:endParaRPr lang="en-IN" sz="1200" dirty="0">
-              <a:solidFill>
-                <a:schemeClr val="tx1"/>
-              </a:solidFill>
-            </a:endParaRPr>
-          </a:p>
-          <a:p>
-            <a:pPr algn="ctr"/>
-            <a:endParaRPr lang="en-IN" sz="1200" dirty="0">
-              <a:solidFill>
-                <a:schemeClr val="tx1"/>
-              </a:solidFill>
-            </a:endParaRPr>
-          </a:p>
-          <a:p>
-            <a:pPr algn="ctr"/>
-            <a:endParaRPr lang="en-IN" sz="1200" dirty="0">
-              <a:solidFill>
-                <a:schemeClr val="tx1"/>
-              </a:solidFill>
-            </a:endParaRPr>
-          </a:p>
-          <a:p>
-            <a:pPr algn="ctr"/>
-            <a:endParaRPr lang="en-IN" sz="1200" dirty="0">
-              <a:solidFill>
-                <a:schemeClr val="tx1"/>
-              </a:solidFill>
-            </a:endParaRPr>
-          </a:p>
-          <a:p>
-            <a:pPr algn="ctr"/>
-            <a:endParaRPr lang="en-IN" sz="1200" dirty="0">
-              <a:solidFill>
-                <a:schemeClr val="tx1"/>
-              </a:solidFill>
-            </a:endParaRPr>
-          </a:p>
-          <a:p>
-            <a:pPr algn="ctr"/>
-            <a:endParaRPr lang="en-IN" sz="1200" dirty="0">
-              <a:solidFill>
-                <a:schemeClr val="tx1"/>
-              </a:solidFill>
-            </a:endParaRPr>
-          </a:p>
-          <a:p>
-            <a:pPr algn="ctr"/>
-            <a:endParaRPr lang="en-IN" sz="1200" dirty="0">
-              <a:solidFill>
-                <a:schemeClr val="tx1"/>
-              </a:solidFill>
-            </a:endParaRPr>
-          </a:p>
-          <a:p>
-            <a:pPr algn="ctr"/>
-            <a:endParaRPr lang="en-IN" sz="1200" dirty="0">
-              <a:solidFill>
-                <a:schemeClr val="tx1"/>
-              </a:solidFill>
-            </a:endParaRPr>
-          </a:p>
-          <a:p>
-            <a:pPr algn="ctr"/>
-            <a:endParaRPr lang="en-IN" sz="1200" dirty="0">
-              <a:solidFill>
-                <a:schemeClr val="tx1"/>
-              </a:solidFill>
-            </a:endParaRPr>
-          </a:p>
-          <a:p>
-            <a:pPr algn="ctr"/>
-            <a:endParaRPr lang="en-IN" sz="1200" dirty="0">
-              <a:solidFill>
-                <a:schemeClr val="tx1"/>
-              </a:solidFill>
-            </a:endParaRPr>
-          </a:p>
-          <a:p>
-            <a:pPr algn="ctr"/>
-            <a:endParaRPr lang="en-IN" sz="1200" dirty="0">
-              <a:solidFill>
-                <a:schemeClr val="tx1"/>
-              </a:solidFill>
-            </a:endParaRPr>
-          </a:p>
-          <a:p>
-            <a:pPr algn="ctr"/>
-            <a:endParaRPr lang="en-IN" sz="1200" dirty="0">
-              <a:solidFill>
-                <a:schemeClr val="tx1"/>
-              </a:solidFill>
-            </a:endParaRPr>
-          </a:p>
-          <a:p>
-            <a:pPr algn="ctr"/>
-            <a:endParaRPr lang="en-IN" sz="1200" dirty="0">
-              <a:solidFill>
-                <a:schemeClr val="tx1"/>
-              </a:solidFill>
-            </a:endParaRPr>
-          </a:p>
-        </p:txBody>
-      </p:sp>
-      <p:sp>
-        <p:nvSpPr>
-          <p:cNvPr id="31" name="Rectangle 30">
-            <a:extLst>
-              <a:ext uri="{FF2B5EF4-FFF2-40B4-BE49-F238E27FC236}">
-                <a16:creationId xmlns:a16="http://schemas.microsoft.com/office/drawing/2014/main" id="{54D4D345-56C6-2946-5796-5AFC51024E28}"/>
+        </p:txBody>
+      </p:sp>
+      <p:sp>
+        <p:nvSpPr>
+          <p:cNvPr id="14" name="Rectangle 13">
+            <a:extLst>
+              <a:ext uri="{FF2B5EF4-FFF2-40B4-BE49-F238E27FC236}">
+                <a16:creationId xmlns:a16="http://schemas.microsoft.com/office/drawing/2014/main" id="{A50D5366-E5CF-7164-2FA7-BBD2E5DD8DE4}"/>
               </a:ext>
             </a:extLst>
           </p:cNvPr>
@@ -5716,8 +6617,8 @@
         </p:nvSpPr>
         <p:spPr>
           <a:xfrm>
-            <a:off x="464157" y="5604265"/>
-            <a:ext cx="1865376" cy="561357"/>
+            <a:off x="3702693" y="1054261"/>
+            <a:ext cx="2817191" cy="900066"/>
           </a:xfrm>
           <a:prstGeom prst="rect">
             <a:avLst/>
@@ -5725,6 +6626,11 @@
           <a:solidFill>
             <a:schemeClr val="bg1"/>
           </a:solidFill>
+          <a:ln>
+            <a:solidFill>
+              <a:schemeClr val="tx1"/>
+            </a:solidFill>
+          </a:ln>
         </p:spPr>
         <p:style>
           <a:lnRef idx="2">
@@ -5746,136 +6652,290 @@
           <a:bodyPr rtlCol="0" anchor="ctr"/>
           <a:lstStyle/>
           <a:p>
-            <a:pPr algn="ctr"/>
-            <a:r>
-              <a:rPr lang="en-IN" sz="1200" dirty="0" err="1">
-                <a:solidFill>
-                  <a:schemeClr val="tx1"/>
-                </a:solidFill>
-              </a:rPr>
-              <a:t>Prtrained</a:t>
-            </a:r>
             <a:r>
               <a:rPr lang="en-IN" sz="1200" dirty="0">
                 <a:solidFill>
                   <a:schemeClr val="tx1"/>
                 </a:solidFill>
               </a:rPr>
-              <a:t> Model</a:t>
-            </a:r>
-          </a:p>
-          <a:p>
-            <a:pPr algn="ctr"/>
+              <a:t>Train it on a classification task</a:t>
+            </a:r>
+          </a:p>
+          <a:p>
             <a:r>
               <a:rPr lang="en-IN" sz="1200" dirty="0">
                 <a:solidFill>
                   <a:schemeClr val="tx1"/>
                 </a:solidFill>
               </a:rPr>
-              <a:t>(1- 2 mins)</a:t>
-            </a:r>
-          </a:p>
-        </p:txBody>
-      </p:sp>
-      <p:cxnSp>
-        <p:nvCxnSpPr>
-          <p:cNvPr id="37" name="Straight Arrow Connector 36">
-            <a:extLst>
-              <a:ext uri="{FF2B5EF4-FFF2-40B4-BE49-F238E27FC236}">
-                <a16:creationId xmlns:a16="http://schemas.microsoft.com/office/drawing/2014/main" id="{7A8F2BCD-FE5E-4241-9F99-A1380677327A}"/>
-              </a:ext>
-            </a:extLst>
-          </p:cNvPr>
-          <p:cNvCxnSpPr>
-            <a:cxnSpLocks/>
-            <a:stCxn id="6" idx="2"/>
-            <a:endCxn id="30" idx="0"/>
-          </p:cNvCxnSpPr>
+              <a:t>(2-3 hrs)  </a:t>
+            </a:r>
+          </a:p>
+          <a:p>
+            <a:endParaRPr lang="en-IN" sz="1200" dirty="0">
+              <a:solidFill>
+                <a:schemeClr val="tx1"/>
+              </a:solidFill>
+            </a:endParaRPr>
+          </a:p>
+        </p:txBody>
+      </p:sp>
+      <p:sp>
+        <p:nvSpPr>
+          <p:cNvPr id="15" name="Rectangle 14">
+            <a:extLst>
+              <a:ext uri="{FF2B5EF4-FFF2-40B4-BE49-F238E27FC236}">
+                <a16:creationId xmlns:a16="http://schemas.microsoft.com/office/drawing/2014/main" id="{928EB51D-4568-4B33-69B6-B0C08B46922F}"/>
+              </a:ext>
+            </a:extLst>
+          </p:cNvPr>
+          <p:cNvSpPr/>
           <p:nvPr/>
-        </p:nvCxnSpPr>
+        </p:nvSpPr>
         <p:spPr>
           <a:xfrm>
-            <a:off x="3019049" y="1993390"/>
-            <a:ext cx="2187" cy="377670"/>
+            <a:off x="4133713" y="2509520"/>
+            <a:ext cx="1980764" cy="634224"/>
           </a:xfrm>
-          <a:prstGeom prst="straightConnector1">
+          <a:prstGeom prst="rect">
             <a:avLst/>
           </a:prstGeom>
+          <a:solidFill>
+            <a:srgbClr val="ACE2CA"/>
+          </a:solidFill>
           <a:ln>
-            <a:tailEnd type="triangle"/>
+            <a:solidFill>
+              <a:schemeClr val="tx1"/>
+            </a:solidFill>
           </a:ln>
         </p:spPr>
         <p:style>
-          <a:lnRef idx="1">
-            <a:schemeClr val="dk1"/>
+          <a:lnRef idx="2">
+            <a:schemeClr val="accent1">
+              <a:shade val="15000"/>
+            </a:schemeClr>
           </a:lnRef>
-          <a:fillRef idx="0">
-            <a:schemeClr val="dk1"/>
+          <a:fillRef idx="1">
+            <a:schemeClr val="accent1"/>
           </a:fillRef>
           <a:effectRef idx="0">
-            <a:schemeClr val="dk1"/>
+            <a:schemeClr val="accent1"/>
           </a:effectRef>
           <a:fontRef idx="minor">
-            <a:schemeClr val="tx1"/>
+            <a:schemeClr val="lt1"/>
           </a:fontRef>
         </p:style>
-      </p:cxnSp>
-      <p:cxnSp>
-        <p:nvCxnSpPr>
-          <p:cNvPr id="40" name="Connector: Elbow 39">
-            <a:extLst>
-              <a:ext uri="{FF2B5EF4-FFF2-40B4-BE49-F238E27FC236}">
-                <a16:creationId xmlns:a16="http://schemas.microsoft.com/office/drawing/2014/main" id="{B76D42F3-CBFC-48F7-CEB5-61ED1C1D0917}"/>
-              </a:ext>
-            </a:extLst>
-          </p:cNvPr>
-          <p:cNvCxnSpPr>
-            <a:cxnSpLocks/>
-            <a:stCxn id="30" idx="2"/>
-            <a:endCxn id="12" idx="0"/>
-          </p:cNvCxnSpPr>
+        <p:txBody>
+          <a:bodyPr rtlCol="0" anchor="ctr"/>
+          <a:lstStyle/>
+          <a:p>
+            <a:r>
+              <a:rPr lang="en-IN" sz="1200" dirty="0">
+                <a:solidFill>
+                  <a:schemeClr val="tx1"/>
+                </a:solidFill>
+              </a:rPr>
+              <a:t>FINE TUNED WEIGHTS (1-2 mins)  </a:t>
+            </a:r>
+          </a:p>
+          <a:p>
+            <a:endParaRPr lang="en-IN" sz="1200" dirty="0">
+              <a:solidFill>
+                <a:schemeClr val="tx1"/>
+              </a:solidFill>
+            </a:endParaRPr>
+          </a:p>
+        </p:txBody>
+      </p:sp>
+      <p:sp>
+        <p:nvSpPr>
+          <p:cNvPr id="16" name="Rectangle: Rounded Corners 15">
+            <a:extLst>
+              <a:ext uri="{FF2B5EF4-FFF2-40B4-BE49-F238E27FC236}">
+                <a16:creationId xmlns:a16="http://schemas.microsoft.com/office/drawing/2014/main" id="{1F3CBF4C-2921-71D7-506F-AF26E7BFF77B}"/>
+              </a:ext>
+            </a:extLst>
+          </p:cNvPr>
+          <p:cNvSpPr/>
           <p:nvPr/>
-        </p:nvCxnSpPr>
+        </p:nvSpPr>
         <p:spPr>
-          <a:xfrm rot="5400000" flipH="1" flipV="1">
-            <a:off x="3270840" y="902537"/>
-            <a:ext cx="5193786" cy="5692994"/>
+          <a:xfrm>
+            <a:off x="3079377" y="4401822"/>
+            <a:ext cx="4093864" cy="2299448"/>
           </a:xfrm>
-          <a:prstGeom prst="bentConnector5">
+          <a:prstGeom prst="roundRect">
             <a:avLst>
-              <a:gd name="adj1" fmla="val -4401"/>
-              <a:gd name="adj2" fmla="val 54838"/>
-              <a:gd name="adj3" fmla="val 104401"/>
+              <a:gd name="adj" fmla="val 4697"/>
             </a:avLst>
           </a:prstGeom>
+          <a:solidFill>
+            <a:schemeClr val="bg1"/>
+          </a:solidFill>
           <a:ln>
             <a:solidFill>
-              <a:schemeClr val="tx1">
-                <a:lumMod val="85000"/>
-                <a:lumOff val="15000"/>
-              </a:schemeClr>
+              <a:srgbClr val="00B050"/>
             </a:solidFill>
-            <a:tailEnd type="triangle"/>
           </a:ln>
         </p:spPr>
         <p:style>
-          <a:lnRef idx="1">
-            <a:schemeClr val="accent1"/>
+          <a:lnRef idx="2">
+            <a:schemeClr val="accent1">
+              <a:shade val="15000"/>
+            </a:schemeClr>
           </a:lnRef>
-          <a:fillRef idx="0">
+          <a:fillRef idx="1">
             <a:schemeClr val="accent1"/>
           </a:fillRef>
           <a:effectRef idx="0">
             <a:schemeClr val="accent1"/>
           </a:effectRef>
           <a:fontRef idx="minor">
-            <a:schemeClr val="tx1"/>
+            <a:schemeClr val="lt1"/>
           </a:fontRef>
         </p:style>
-      </p:cxnSp>
+        <p:txBody>
+          <a:bodyPr rtlCol="0" anchor="ctr"/>
+          <a:lstStyle/>
+          <a:p>
+            <a:pPr marL="171450" indent="-171450">
+              <a:buFont typeface="Arial" panose="020B0604020202020204" pitchFamily="34" charset="0"/>
+              <a:buChar char="•"/>
+            </a:pPr>
+            <a:endParaRPr lang="en-IN" sz="1200" dirty="0">
+              <a:solidFill>
+                <a:schemeClr val="tx1"/>
+              </a:solidFill>
+            </a:endParaRPr>
+          </a:p>
+        </p:txBody>
+      </p:sp>
+      <p:sp>
+        <p:nvSpPr>
+          <p:cNvPr id="17" name="Rectangle 16">
+            <a:extLst>
+              <a:ext uri="{FF2B5EF4-FFF2-40B4-BE49-F238E27FC236}">
+                <a16:creationId xmlns:a16="http://schemas.microsoft.com/office/drawing/2014/main" id="{64EA40A1-E670-625B-E5EB-EE1865B685FC}"/>
+              </a:ext>
+            </a:extLst>
+          </p:cNvPr>
+          <p:cNvSpPr/>
+          <p:nvPr/>
+        </p:nvSpPr>
+        <p:spPr>
+          <a:xfrm>
+            <a:off x="3282936" y="4203046"/>
+            <a:ext cx="1710084" cy="347077"/>
+          </a:xfrm>
+          <a:prstGeom prst="rect">
+            <a:avLst/>
+          </a:prstGeom>
+          <a:solidFill>
+            <a:schemeClr val="tx1"/>
+          </a:solidFill>
+          <a:ln>
+            <a:solidFill>
+              <a:schemeClr val="tx1"/>
+            </a:solidFill>
+          </a:ln>
+        </p:spPr>
+        <p:style>
+          <a:lnRef idx="2">
+            <a:schemeClr val="accent1">
+              <a:shade val="15000"/>
+            </a:schemeClr>
+          </a:lnRef>
+          <a:fillRef idx="1">
+            <a:schemeClr val="accent1"/>
+          </a:fillRef>
+          <a:effectRef idx="0">
+            <a:schemeClr val="accent1"/>
+          </a:effectRef>
+          <a:fontRef idx="minor">
+            <a:schemeClr val="lt1"/>
+          </a:fontRef>
+        </p:style>
+        <p:txBody>
+          <a:bodyPr rtlCol="0" anchor="ctr"/>
+          <a:lstStyle/>
+          <a:p>
+            <a:r>
+              <a:rPr lang="en-IN" sz="1400" dirty="0">
+                <a:solidFill>
+                  <a:schemeClr val="bg1"/>
+                </a:solidFill>
+              </a:rPr>
+              <a:t>GENERATE CLUSTERS</a:t>
+            </a:r>
+          </a:p>
+        </p:txBody>
+      </p:sp>
+      <p:sp>
+        <p:nvSpPr>
+          <p:cNvPr id="20" name="Rectangle: Rounded Corners 19">
+            <a:extLst>
+              <a:ext uri="{FF2B5EF4-FFF2-40B4-BE49-F238E27FC236}">
+                <a16:creationId xmlns:a16="http://schemas.microsoft.com/office/drawing/2014/main" id="{8292D7D9-2273-36CE-40D3-F8798F3E6158}"/>
+              </a:ext>
+            </a:extLst>
+          </p:cNvPr>
+          <p:cNvSpPr/>
+          <p:nvPr/>
+        </p:nvSpPr>
+        <p:spPr>
+          <a:xfrm>
+            <a:off x="8250864" y="989819"/>
+            <a:ext cx="3828359" cy="2439178"/>
+          </a:xfrm>
+          <a:prstGeom prst="roundRect">
+            <a:avLst>
+              <a:gd name="adj" fmla="val 4697"/>
+            </a:avLst>
+          </a:prstGeom>
+          <a:solidFill>
+            <a:schemeClr val="bg1"/>
+          </a:solidFill>
+          <a:ln>
+            <a:solidFill>
+              <a:srgbClr val="00B050"/>
+            </a:solidFill>
+          </a:ln>
+        </p:spPr>
+        <p:style>
+          <a:lnRef idx="2">
+            <a:schemeClr val="accent1">
+              <a:shade val="15000"/>
+            </a:schemeClr>
+          </a:lnRef>
+          <a:fillRef idx="1">
+            <a:schemeClr val="accent1"/>
+          </a:fillRef>
+          <a:effectRef idx="0">
+            <a:schemeClr val="accent1"/>
+          </a:effectRef>
+          <a:fontRef idx="minor">
+            <a:schemeClr val="lt1"/>
+          </a:fontRef>
+        </p:style>
+        <p:txBody>
+          <a:bodyPr rtlCol="0" anchor="ctr"/>
+          <a:lstStyle/>
+          <a:p>
+            <a:pPr marL="171450" indent="-171450">
+              <a:buFont typeface="Arial" panose="020B0604020202020204" pitchFamily="34" charset="0"/>
+              <a:buChar char="•"/>
+            </a:pPr>
+            <a:endParaRPr lang="en-IN" sz="1200" dirty="0">
+              <a:solidFill>
+                <a:schemeClr val="tx1"/>
+              </a:solidFill>
+            </a:endParaRPr>
+          </a:p>
+        </p:txBody>
+      </p:sp>
       <p:graphicFrame>
         <p:nvGraphicFramePr>
-          <p:cNvPr id="42" name="Table 41">
+          <p:cNvPr id="21" name="Table 20">
             <a:extLst>
               <a:ext uri="{FF2B5EF4-FFF2-40B4-BE49-F238E27FC236}">
                 <a16:creationId xmlns:a16="http://schemas.microsoft.com/office/drawing/2014/main" id="{EDDF0B2B-CABC-0294-A702-4E85F6D9581E}"/>
@@ -5888,14 +6948,14 @@
           <p:nvPr>
             <p:extLst>
               <p:ext uri="{D42A27DB-BD31-4B8C-83A1-F6EECF244321}">
-                <p14:modId xmlns:p14="http://schemas.microsoft.com/office/powerpoint/2010/main" val="2061661908"/>
+                <p14:modId xmlns:p14="http://schemas.microsoft.com/office/powerpoint/2010/main" val="1198331067"/>
               </p:ext>
             </p:extLst>
           </p:nvPr>
         </p:nvGraphicFramePr>
         <p:xfrm>
-          <a:off x="6797419" y="2071359"/>
-          <a:ext cx="3998214" cy="1109133"/>
+          <a:off x="8424561" y="1993542"/>
+          <a:ext cx="3263728" cy="1109133"/>
         </p:xfrm>
         <a:graphic>
           <a:graphicData uri="http://schemas.openxmlformats.org/drawingml/2006/table">
@@ -5904,14 +6964,14 @@
                 <a:tableStyleId>{5940675A-B579-460E-94D1-54222C63F5DA}</a:tableStyleId>
               </a:tblPr>
               <a:tblGrid>
-                <a:gridCol w="1999107">
+                <a:gridCol w="2334933">
                   <a:extLst>
                     <a:ext uri="{9D8B030D-6E8A-4147-A177-3AD203B41FA5}">
                       <a16:colId xmlns:a16="http://schemas.microsoft.com/office/drawing/2014/main" val="284177725"/>
                     </a:ext>
                   </a:extLst>
                 </a:gridCol>
-                <a:gridCol w="1999107">
+                <a:gridCol w="928795">
                   <a:extLst>
                     <a:ext uri="{9D8B030D-6E8A-4147-A177-3AD203B41FA5}">
                       <a16:colId xmlns:a16="http://schemas.microsoft.com/office/drawing/2014/main" val="2581493279"/>
@@ -5926,15 +6986,15 @@
                     <a:lstStyle/>
                     <a:p>
                       <a:r>
-                        <a:rPr lang="en-IN" sz="900" dirty="0"/>
+                        <a:rPr lang="en-IN" sz="1200" dirty="0"/>
                         <a:t>Pairs (</a:t>
                       </a:r>
                       <a:r>
-                        <a:rPr lang="en-IN" sz="900" dirty="0" err="1"/>
+                        <a:rPr lang="en-IN" sz="1200" dirty="0" err="1"/>
                         <a:t>eg</a:t>
                       </a:r>
                       <a:r>
-                        <a:rPr lang="en-IN" sz="900" dirty="0"/>
+                        <a:rPr lang="en-IN" sz="1200" dirty="0"/>
                         <a:t> gene1 , gene2) in all cells</a:t>
                       </a:r>
                     </a:p>
@@ -5947,7 +7007,7 @@
                     <a:lstStyle/>
                     <a:p>
                       <a:r>
-                        <a:rPr lang="en-IN" sz="900" dirty="0"/>
+                        <a:rPr lang="en-IN" sz="1200" dirty="0"/>
                         <a:t>1- 2 Hrs</a:t>
                       </a:r>
                     </a:p>
@@ -5967,23 +7027,23 @@
                     <a:lstStyle/>
                     <a:p>
                       <a:r>
-                        <a:rPr lang="en-IN" sz="900" dirty="0"/>
+                        <a:rPr lang="en-IN" sz="1200" dirty="0"/>
                         <a:t>All genes</a:t>
                       </a:r>
                     </a:p>
                     <a:p>
                       <a:r>
-                        <a:rPr lang="en-IN" sz="900" dirty="0"/>
+                        <a:rPr lang="en-IN" sz="1200" dirty="0"/>
                         <a:t>Perturbing 1 at a time </a:t>
                       </a:r>
                     </a:p>
                     <a:p>
                       <a:r>
-                        <a:rPr lang="en-IN" sz="900" dirty="0" err="1"/>
+                        <a:rPr lang="en-IN" sz="1200" dirty="0" err="1"/>
                         <a:t>Analyzed</a:t>
                       </a:r>
                       <a:r>
-                        <a:rPr lang="en-IN" sz="900" dirty="0"/>
+                        <a:rPr lang="en-IN" sz="1200" dirty="0"/>
                         <a:t> in 100 cells</a:t>
                       </a:r>
                     </a:p>
@@ -5996,7 +7056,7 @@
                     <a:lstStyle/>
                     <a:p>
                       <a:r>
-                        <a:rPr lang="en-IN" sz="900" dirty="0"/>
+                        <a:rPr lang="en-IN" sz="1200" dirty="0"/>
                         <a:t>7 hrs</a:t>
                       </a:r>
                     </a:p>
@@ -6015,10 +7075,10 @@
       </p:graphicFrame>
       <p:sp>
         <p:nvSpPr>
-          <p:cNvPr id="44" name="Rectangle 43">
-            <a:extLst>
-              <a:ext uri="{FF2B5EF4-FFF2-40B4-BE49-F238E27FC236}">
-                <a16:creationId xmlns:a16="http://schemas.microsoft.com/office/drawing/2014/main" id="{E9711203-F66F-8D0D-18AD-21FC859C09ED}"/>
+          <p:cNvPr id="22" name="Rectangle 21">
+            <a:extLst>
+              <a:ext uri="{FF2B5EF4-FFF2-40B4-BE49-F238E27FC236}">
+                <a16:creationId xmlns:a16="http://schemas.microsoft.com/office/drawing/2014/main" id="{864576E2-CCD7-3817-206C-3F480774062B}"/>
               </a:ext>
             </a:extLst>
           </p:cNvPr>
@@ -6027,15 +7087,20 @@
         </p:nvSpPr>
         <p:spPr>
           <a:xfrm>
-            <a:off x="3569016" y="4842388"/>
-            <a:ext cx="1865376" cy="581572"/>
+            <a:off x="8343900" y="816278"/>
+            <a:ext cx="1582245" cy="347077"/>
           </a:xfrm>
           <a:prstGeom prst="rect">
             <a:avLst/>
           </a:prstGeom>
           <a:solidFill>
-            <a:schemeClr val="bg1"/>
+            <a:schemeClr val="tx1"/>
           </a:solidFill>
+          <a:ln>
+            <a:solidFill>
+              <a:schemeClr val="tx1"/>
+            </a:solidFill>
+          </a:ln>
         </p:spPr>
         <p:style>
           <a:lnRef idx="2">
@@ -6057,35 +7122,87 @@
           <a:bodyPr rtlCol="0" anchor="ctr"/>
           <a:lstStyle/>
           <a:p>
-            <a:pPr algn="ctr"/>
-            <a:r>
-              <a:rPr lang="en-IN" sz="1200" dirty="0">
+            <a:r>
+              <a:rPr lang="en-IN" sz="1400" dirty="0">
                 <a:solidFill>
-                  <a:schemeClr val="tx1"/>
+                  <a:schemeClr val="bg1"/>
                 </a:solidFill>
               </a:rPr>
-              <a:t>Make a Fine tuned model</a:t>
-            </a:r>
-          </a:p>
-          <a:p>
-            <a:pPr algn="ctr"/>
-            <a:r>
-              <a:rPr lang="en-IN" sz="1200" dirty="0">
-                <a:solidFill>
-                  <a:schemeClr val="tx1"/>
-                </a:solidFill>
-              </a:rPr>
-              <a:t>(1 Hrs- 2 Hrs)</a:t>
-            </a:r>
-          </a:p>
-        </p:txBody>
-      </p:sp>
-      <p:sp>
-        <p:nvSpPr>
-          <p:cNvPr id="45" name="Rectangle 44">
-            <a:extLst>
-              <a:ext uri="{FF2B5EF4-FFF2-40B4-BE49-F238E27FC236}">
-                <a16:creationId xmlns:a16="http://schemas.microsoft.com/office/drawing/2014/main" id="{F9AE1449-41AE-55C2-2876-97C61A8886B8}"/>
+              <a:t>PERTURBATION</a:t>
+            </a:r>
+          </a:p>
+        </p:txBody>
+      </p:sp>
+      <p:sp>
+        <p:nvSpPr>
+          <p:cNvPr id="24" name="TextBox 23">
+            <a:extLst>
+              <a:ext uri="{FF2B5EF4-FFF2-40B4-BE49-F238E27FC236}">
+                <a16:creationId xmlns:a16="http://schemas.microsoft.com/office/drawing/2014/main" id="{382A46DA-B13D-39E7-BA87-11D0F1DFA836}"/>
+              </a:ext>
+            </a:extLst>
+          </p:cNvPr>
+          <p:cNvSpPr txBox="1"/>
+          <p:nvPr/>
+        </p:nvSpPr>
+        <p:spPr>
+          <a:xfrm>
+            <a:off x="8250864" y="1244431"/>
+            <a:ext cx="3263728" cy="646331"/>
+          </a:xfrm>
+          <a:prstGeom prst="rect">
+            <a:avLst/>
+          </a:prstGeom>
+          <a:noFill/>
+        </p:spPr>
+        <p:txBody>
+          <a:bodyPr wrap="square">
+            <a:spAutoFit/>
+          </a:bodyPr>
+          <a:lstStyle/>
+          <a:p>
+            <a:pPr marL="171450" indent="-171450">
+              <a:buFont typeface="Arial" panose="020B0604020202020204" pitchFamily="34" charset="0"/>
+              <a:buChar char="•"/>
+            </a:pPr>
+            <a:r>
+              <a:rPr lang="en-IN" sz="1200" dirty="0"/>
+              <a:t>Delete or overexpress</a:t>
+            </a:r>
+          </a:p>
+          <a:p>
+            <a:pPr marL="171450" indent="-171450">
+              <a:buFont typeface="Arial" panose="020B0604020202020204" pitchFamily="34" charset="0"/>
+              <a:buChar char="•"/>
+            </a:pPr>
+            <a:r>
+              <a:rPr lang="en-IN" sz="1200" dirty="0"/>
+              <a:t>Select gene or gene pairs</a:t>
+            </a:r>
+          </a:p>
+          <a:p>
+            <a:pPr marL="171450" indent="-171450">
+              <a:buFont typeface="Arial" panose="020B0604020202020204" pitchFamily="34" charset="0"/>
+              <a:buChar char="•"/>
+            </a:pPr>
+            <a:r>
+              <a:rPr lang="en-IN" sz="1200" dirty="0"/>
+              <a:t>Source cluster , target : </a:t>
+            </a:r>
+            <a:r>
+              <a:rPr lang="en-IN" sz="1200" dirty="0" err="1"/>
+              <a:t>clusturs</a:t>
+            </a:r>
+            <a:endParaRPr lang="en-IN" sz="1200" dirty="0"/>
+          </a:p>
+        </p:txBody>
+      </p:sp>
+      <p:sp>
+        <p:nvSpPr>
+          <p:cNvPr id="25" name="Rectangle 24">
+            <a:extLst>
+              <a:ext uri="{FF2B5EF4-FFF2-40B4-BE49-F238E27FC236}">
+                <a16:creationId xmlns:a16="http://schemas.microsoft.com/office/drawing/2014/main" id="{6513DDCF-AD87-D7E7-977D-4662A5AABFB9}"/>
               </a:ext>
             </a:extLst>
           </p:cNvPr>
@@ -6094,8 +7211,8 @@
         </p:nvSpPr>
         <p:spPr>
           <a:xfrm>
-            <a:off x="3569016" y="5604265"/>
-            <a:ext cx="1865376" cy="561357"/>
+            <a:off x="9112624" y="4038789"/>
+            <a:ext cx="2104837" cy="531484"/>
           </a:xfrm>
           <a:prstGeom prst="rect">
             <a:avLst/>
@@ -6103,6 +7220,11 @@
           <a:solidFill>
             <a:schemeClr val="bg1"/>
           </a:solidFill>
+          <a:ln>
+            <a:solidFill>
+              <a:srgbClr val="00B050"/>
+            </a:solidFill>
+          </a:ln>
         </p:spPr>
         <p:style>
           <a:lnRef idx="2">
@@ -6131,7 +7253,7 @@
                   <a:schemeClr val="tx1"/>
                 </a:solidFill>
               </a:rPr>
-              <a:t>Use Fine Tuned  Model</a:t>
+              <a:t>Interpret results </a:t>
             </a:r>
           </a:p>
           <a:p>
@@ -6142,47 +7264,50 @@
                   <a:schemeClr val="tx1"/>
                 </a:solidFill>
               </a:rPr>
-              <a:t>(1- 2 mins)</a:t>
+              <a:t>(Cosine Similarity value)</a:t>
             </a:r>
           </a:p>
         </p:txBody>
       </p:sp>
       <p:cxnSp>
         <p:nvCxnSpPr>
-          <p:cNvPr id="49" name="Straight Arrow Connector 48">
-            <a:extLst>
-              <a:ext uri="{FF2B5EF4-FFF2-40B4-BE49-F238E27FC236}">
-                <a16:creationId xmlns:a16="http://schemas.microsoft.com/office/drawing/2014/main" id="{FE1D6650-7968-E1B2-252A-DD2899440FF7}"/>
+          <p:cNvPr id="27" name="Straight Arrow Connector 26">
+            <a:extLst>
+              <a:ext uri="{FF2B5EF4-FFF2-40B4-BE49-F238E27FC236}">
+                <a16:creationId xmlns:a16="http://schemas.microsoft.com/office/drawing/2014/main" id="{5FCB7364-4B04-893E-BA81-1B06F0D58478}"/>
               </a:ext>
             </a:extLst>
           </p:cNvPr>
           <p:cNvCxnSpPr>
-            <a:stCxn id="12" idx="2"/>
-            <a:endCxn id="13" idx="0"/>
+            <a:stCxn id="6" idx="2"/>
+            <a:endCxn id="8" idx="0"/>
           </p:cNvCxnSpPr>
           <p:nvPr/>
         </p:nvCxnSpPr>
         <p:spPr>
-          <a:xfrm flipH="1">
-            <a:off x="8714229" y="3735058"/>
-            <a:ext cx="1" cy="721741"/>
+          <a:xfrm>
+            <a:off x="1357518" y="1545035"/>
+            <a:ext cx="0" cy="443377"/>
           </a:xfrm>
           <a:prstGeom prst="straightConnector1">
             <a:avLst/>
           </a:prstGeom>
-          <a:ln>
+          <a:ln w="3175">
+            <a:solidFill>
+              <a:srgbClr val="41B883"/>
+            </a:solidFill>
             <a:tailEnd type="triangle"/>
           </a:ln>
         </p:spPr>
         <p:style>
           <a:lnRef idx="1">
-            <a:schemeClr val="dk1"/>
+            <a:schemeClr val="accent1"/>
           </a:lnRef>
           <a:fillRef idx="0">
-            <a:schemeClr val="dk1"/>
+            <a:schemeClr val="accent1"/>
           </a:fillRef>
           <a:effectRef idx="0">
-            <a:schemeClr val="dk1"/>
+            <a:schemeClr val="accent1"/>
           </a:effectRef>
           <a:fontRef idx="minor">
             <a:schemeClr val="tx1"/>
@@ -6191,40 +7316,373 @@
       </p:cxnSp>
       <p:cxnSp>
         <p:nvCxnSpPr>
-          <p:cNvPr id="56" name="Straight Arrow Connector 55">
-            <a:extLst>
-              <a:ext uri="{FF2B5EF4-FFF2-40B4-BE49-F238E27FC236}">
-                <a16:creationId xmlns:a16="http://schemas.microsoft.com/office/drawing/2014/main" id="{C9755297-57D7-5A56-29BF-B81D19CA9E75}"/>
+          <p:cNvPr id="29" name="Straight Arrow Connector 28">
+            <a:extLst>
+              <a:ext uri="{FF2B5EF4-FFF2-40B4-BE49-F238E27FC236}">
+                <a16:creationId xmlns:a16="http://schemas.microsoft.com/office/drawing/2014/main" id="{4AF7338C-AFDB-44BF-E9AB-70B664E09F7E}"/>
               </a:ext>
             </a:extLst>
           </p:cNvPr>
           <p:cNvCxnSpPr>
-            <a:stCxn id="44" idx="2"/>
-            <a:endCxn id="45" idx="0"/>
+            <a:cxnSpLocks/>
+            <a:stCxn id="8" idx="2"/>
+            <a:endCxn id="12" idx="0"/>
           </p:cNvCxnSpPr>
           <p:nvPr/>
         </p:nvCxnSpPr>
         <p:spPr>
           <a:xfrm>
-            <a:off x="4501704" y="5423960"/>
-            <a:ext cx="0" cy="180305"/>
+            <a:off x="1357518" y="2491063"/>
+            <a:ext cx="2998" cy="335569"/>
           </a:xfrm>
           <a:prstGeom prst="straightConnector1">
             <a:avLst/>
           </a:prstGeom>
-          <a:ln>
+          <a:ln w="3175">
+            <a:solidFill>
+              <a:srgbClr val="41B883"/>
+            </a:solidFill>
             <a:tailEnd type="triangle"/>
           </a:ln>
         </p:spPr>
         <p:style>
           <a:lnRef idx="1">
-            <a:schemeClr val="dk1"/>
+            <a:schemeClr val="accent1"/>
           </a:lnRef>
           <a:fillRef idx="0">
-            <a:schemeClr val="dk1"/>
+            <a:schemeClr val="accent1"/>
           </a:fillRef>
           <a:effectRef idx="0">
-            <a:schemeClr val="dk1"/>
+            <a:schemeClr val="accent1"/>
+          </a:effectRef>
+          <a:fontRef idx="minor">
+            <a:schemeClr val="tx1"/>
+          </a:fontRef>
+        </p:style>
+      </p:cxnSp>
+      <p:cxnSp>
+        <p:nvCxnSpPr>
+          <p:cNvPr id="32" name="Straight Arrow Connector 31">
+            <a:extLst>
+              <a:ext uri="{FF2B5EF4-FFF2-40B4-BE49-F238E27FC236}">
+                <a16:creationId xmlns:a16="http://schemas.microsoft.com/office/drawing/2014/main" id="{AFCDB9C6-EAF7-C4AD-8601-D5C138A1EF7D}"/>
+              </a:ext>
+            </a:extLst>
+          </p:cNvPr>
+          <p:cNvCxnSpPr>
+            <a:cxnSpLocks/>
+            <a:stCxn id="12" idx="2"/>
+            <a:endCxn id="13" idx="0"/>
+          </p:cNvCxnSpPr>
+          <p:nvPr/>
+        </p:nvCxnSpPr>
+        <p:spPr>
+          <a:xfrm flipH="1">
+            <a:off x="1357517" y="4899977"/>
+            <a:ext cx="2999" cy="650443"/>
+          </a:xfrm>
+          <a:prstGeom prst="straightConnector1">
+            <a:avLst/>
+          </a:prstGeom>
+          <a:ln w="3175">
+            <a:solidFill>
+              <a:srgbClr val="41B883"/>
+            </a:solidFill>
+            <a:tailEnd type="triangle"/>
+          </a:ln>
+        </p:spPr>
+        <p:style>
+          <a:lnRef idx="1">
+            <a:schemeClr val="accent1"/>
+          </a:lnRef>
+          <a:fillRef idx="0">
+            <a:schemeClr val="accent1"/>
+          </a:fillRef>
+          <a:effectRef idx="0">
+            <a:schemeClr val="accent1"/>
+          </a:effectRef>
+          <a:fontRef idx="minor">
+            <a:schemeClr val="tx1"/>
+          </a:fontRef>
+        </p:style>
+      </p:cxnSp>
+      <p:cxnSp>
+        <p:nvCxnSpPr>
+          <p:cNvPr id="36" name="Connector: Elbow 35">
+            <a:extLst>
+              <a:ext uri="{FF2B5EF4-FFF2-40B4-BE49-F238E27FC236}">
+                <a16:creationId xmlns:a16="http://schemas.microsoft.com/office/drawing/2014/main" id="{630F6E90-3CEF-3BDF-A850-366C0E7DE08E}"/>
+              </a:ext>
+            </a:extLst>
+          </p:cNvPr>
+          <p:cNvCxnSpPr>
+            <a:cxnSpLocks/>
+            <a:stCxn id="12" idx="3"/>
+            <a:endCxn id="14" idx="0"/>
+          </p:cNvCxnSpPr>
+          <p:nvPr/>
+        </p:nvCxnSpPr>
+        <p:spPr>
+          <a:xfrm flipV="1">
+            <a:off x="2608255" y="1054261"/>
+            <a:ext cx="2503034" cy="2809044"/>
+          </a:xfrm>
+          <a:prstGeom prst="bentConnector4">
+            <a:avLst>
+              <a:gd name="adj1" fmla="val 21862"/>
+              <a:gd name="adj2" fmla="val 108138"/>
+            </a:avLst>
+          </a:prstGeom>
+          <a:ln w="3175">
+            <a:solidFill>
+              <a:srgbClr val="41B883"/>
+            </a:solidFill>
+            <a:tailEnd type="triangle"/>
+          </a:ln>
+        </p:spPr>
+        <p:style>
+          <a:lnRef idx="1">
+            <a:schemeClr val="accent1"/>
+          </a:lnRef>
+          <a:fillRef idx="0">
+            <a:schemeClr val="accent1"/>
+          </a:fillRef>
+          <a:effectRef idx="0">
+            <a:schemeClr val="accent1"/>
+          </a:effectRef>
+          <a:fontRef idx="minor">
+            <a:schemeClr val="tx1"/>
+          </a:fontRef>
+        </p:style>
+      </p:cxnSp>
+      <p:cxnSp>
+        <p:nvCxnSpPr>
+          <p:cNvPr id="40" name="Straight Arrow Connector 39">
+            <a:extLst>
+              <a:ext uri="{FF2B5EF4-FFF2-40B4-BE49-F238E27FC236}">
+                <a16:creationId xmlns:a16="http://schemas.microsoft.com/office/drawing/2014/main" id="{EFCA2581-16C4-14B3-9A03-1DA14D845C4D}"/>
+              </a:ext>
+            </a:extLst>
+          </p:cNvPr>
+          <p:cNvCxnSpPr>
+            <a:stCxn id="14" idx="2"/>
+            <a:endCxn id="15" idx="0"/>
+          </p:cNvCxnSpPr>
+          <p:nvPr/>
+        </p:nvCxnSpPr>
+        <p:spPr>
+          <a:xfrm>
+            <a:off x="5111289" y="1954327"/>
+            <a:ext cx="12806" cy="555193"/>
+          </a:xfrm>
+          <a:prstGeom prst="straightConnector1">
+            <a:avLst/>
+          </a:prstGeom>
+          <a:ln w="3175">
+            <a:solidFill>
+              <a:srgbClr val="41B883"/>
+            </a:solidFill>
+            <a:tailEnd type="triangle"/>
+          </a:ln>
+        </p:spPr>
+        <p:style>
+          <a:lnRef idx="1">
+            <a:schemeClr val="accent1"/>
+          </a:lnRef>
+          <a:fillRef idx="0">
+            <a:schemeClr val="accent1"/>
+          </a:fillRef>
+          <a:effectRef idx="0">
+            <a:schemeClr val="accent1"/>
+          </a:effectRef>
+          <a:fontRef idx="minor">
+            <a:schemeClr val="tx1"/>
+          </a:fontRef>
+        </p:style>
+      </p:cxnSp>
+      <p:cxnSp>
+        <p:nvCxnSpPr>
+          <p:cNvPr id="44" name="Straight Arrow Connector 43">
+            <a:extLst>
+              <a:ext uri="{FF2B5EF4-FFF2-40B4-BE49-F238E27FC236}">
+                <a16:creationId xmlns:a16="http://schemas.microsoft.com/office/drawing/2014/main" id="{83BDC1B9-E639-FDEC-FC7E-26EC202E6746}"/>
+              </a:ext>
+            </a:extLst>
+          </p:cNvPr>
+          <p:cNvCxnSpPr>
+            <a:cxnSpLocks/>
+            <a:stCxn id="15" idx="2"/>
+            <a:endCxn id="16" idx="0"/>
+          </p:cNvCxnSpPr>
+          <p:nvPr/>
+        </p:nvCxnSpPr>
+        <p:spPr>
+          <a:xfrm>
+            <a:off x="5124095" y="3143744"/>
+            <a:ext cx="2214" cy="1258078"/>
+          </a:xfrm>
+          <a:prstGeom prst="straightConnector1">
+            <a:avLst/>
+          </a:prstGeom>
+          <a:ln w="3175">
+            <a:solidFill>
+              <a:srgbClr val="41B883"/>
+            </a:solidFill>
+            <a:tailEnd type="triangle"/>
+          </a:ln>
+        </p:spPr>
+        <p:style>
+          <a:lnRef idx="1">
+            <a:schemeClr val="accent1"/>
+          </a:lnRef>
+          <a:fillRef idx="0">
+            <a:schemeClr val="accent1"/>
+          </a:fillRef>
+          <a:effectRef idx="0">
+            <a:schemeClr val="accent1"/>
+          </a:effectRef>
+          <a:fontRef idx="minor">
+            <a:schemeClr val="tx1"/>
+          </a:fontRef>
+        </p:style>
+      </p:cxnSp>
+      <p:cxnSp>
+        <p:nvCxnSpPr>
+          <p:cNvPr id="48" name="Straight Arrow Connector 47">
+            <a:extLst>
+              <a:ext uri="{FF2B5EF4-FFF2-40B4-BE49-F238E27FC236}">
+                <a16:creationId xmlns:a16="http://schemas.microsoft.com/office/drawing/2014/main" id="{A69AD219-8305-FA67-0C72-E7CC50BC175A}"/>
+              </a:ext>
+            </a:extLst>
+          </p:cNvPr>
+          <p:cNvCxnSpPr>
+            <a:cxnSpLocks/>
+            <a:stCxn id="20" idx="2"/>
+            <a:endCxn id="25" idx="0"/>
+          </p:cNvCxnSpPr>
+          <p:nvPr/>
+        </p:nvCxnSpPr>
+        <p:spPr>
+          <a:xfrm flipH="1">
+            <a:off x="10165043" y="3428997"/>
+            <a:ext cx="1" cy="609792"/>
+          </a:xfrm>
+          <a:prstGeom prst="straightConnector1">
+            <a:avLst/>
+          </a:prstGeom>
+          <a:ln w="3175">
+            <a:solidFill>
+              <a:srgbClr val="41B883"/>
+            </a:solidFill>
+            <a:tailEnd type="triangle"/>
+          </a:ln>
+        </p:spPr>
+        <p:style>
+          <a:lnRef idx="1">
+            <a:schemeClr val="accent1"/>
+          </a:lnRef>
+          <a:fillRef idx="0">
+            <a:schemeClr val="accent1"/>
+          </a:fillRef>
+          <a:effectRef idx="0">
+            <a:schemeClr val="accent1"/>
+          </a:effectRef>
+          <a:fontRef idx="minor">
+            <a:schemeClr val="tx1"/>
+          </a:fontRef>
+        </p:style>
+      </p:cxnSp>
+      <p:cxnSp>
+        <p:nvCxnSpPr>
+          <p:cNvPr id="57" name="Connector: Elbow 56">
+            <a:extLst>
+              <a:ext uri="{FF2B5EF4-FFF2-40B4-BE49-F238E27FC236}">
+                <a16:creationId xmlns:a16="http://schemas.microsoft.com/office/drawing/2014/main" id="{A200E963-C444-FFC9-1B40-34B35987F78E}"/>
+              </a:ext>
+            </a:extLst>
+          </p:cNvPr>
+          <p:cNvCxnSpPr>
+            <a:cxnSpLocks/>
+            <a:stCxn id="16" idx="3"/>
+            <a:endCxn id="20" idx="0"/>
+          </p:cNvCxnSpPr>
+          <p:nvPr/>
+        </p:nvCxnSpPr>
+        <p:spPr>
+          <a:xfrm flipV="1">
+            <a:off x="7173241" y="989819"/>
+            <a:ext cx="2991803" cy="4561727"/>
+          </a:xfrm>
+          <a:prstGeom prst="bentConnector4">
+            <a:avLst>
+              <a:gd name="adj1" fmla="val 18010"/>
+              <a:gd name="adj2" fmla="val 105011"/>
+            </a:avLst>
+          </a:prstGeom>
+          <a:ln w="3175">
+            <a:solidFill>
+              <a:srgbClr val="41B883"/>
+            </a:solidFill>
+            <a:tailEnd type="triangle"/>
+          </a:ln>
+        </p:spPr>
+        <p:style>
+          <a:lnRef idx="1">
+            <a:schemeClr val="accent1"/>
+          </a:lnRef>
+          <a:fillRef idx="0">
+            <a:schemeClr val="accent1"/>
+          </a:fillRef>
+          <a:effectRef idx="0">
+            <a:schemeClr val="accent1"/>
+          </a:effectRef>
+          <a:fontRef idx="minor">
+            <a:schemeClr val="tx1"/>
+          </a:fontRef>
+        </p:style>
+      </p:cxnSp>
+      <p:cxnSp>
+        <p:nvCxnSpPr>
+          <p:cNvPr id="95" name="Connector: Elbow 94">
+            <a:extLst>
+              <a:ext uri="{FF2B5EF4-FFF2-40B4-BE49-F238E27FC236}">
+                <a16:creationId xmlns:a16="http://schemas.microsoft.com/office/drawing/2014/main" id="{9E595814-7D52-CA21-D0A9-6FC5EB17F73A}"/>
+              </a:ext>
+            </a:extLst>
+          </p:cNvPr>
+          <p:cNvCxnSpPr>
+            <a:stCxn id="13" idx="3"/>
+            <a:endCxn id="16" idx="0"/>
+          </p:cNvCxnSpPr>
+          <p:nvPr/>
+        </p:nvCxnSpPr>
+        <p:spPr>
+          <a:xfrm flipV="1">
+            <a:off x="2566710" y="4401822"/>
+            <a:ext cx="2559599" cy="1424989"/>
+          </a:xfrm>
+          <a:prstGeom prst="bentConnector4">
+            <a:avLst>
+              <a:gd name="adj1" fmla="val 10015"/>
+              <a:gd name="adj2" fmla="val 120519"/>
+            </a:avLst>
+          </a:prstGeom>
+          <a:ln>
+            <a:solidFill>
+              <a:srgbClr val="41B883"/>
+            </a:solidFill>
+            <a:tailEnd type="triangle"/>
+          </a:ln>
+        </p:spPr>
+        <p:style>
+          <a:lnRef idx="1">
+            <a:schemeClr val="accent1"/>
+          </a:lnRef>
+          <a:fillRef idx="0">
+            <a:schemeClr val="accent1"/>
+          </a:fillRef>
+          <a:effectRef idx="0">
+            <a:schemeClr val="accent1"/>
           </a:effectRef>
           <a:fontRef idx="minor">
             <a:schemeClr val="tx1"/>
@@ -6234,7 +7692,7 @@
     </p:spTree>
     <p:extLst>
       <p:ext uri="{BB962C8B-B14F-4D97-AF65-F5344CB8AC3E}">
-        <p14:creationId xmlns:p14="http://schemas.microsoft.com/office/powerpoint/2010/main" val="2926466396"/>
+        <p14:creationId xmlns:p14="http://schemas.microsoft.com/office/powerpoint/2010/main" val="3604191125"/>
       </p:ext>
     </p:extLst>
   </p:cSld>
@@ -6252,7 +7710,7 @@
         <p:cNvPr id="1" name="">
           <a:extLst>
             <a:ext uri="{FF2B5EF4-FFF2-40B4-BE49-F238E27FC236}">
-              <a16:creationId xmlns:a16="http://schemas.microsoft.com/office/drawing/2014/main" id="{02425B5F-74F4-1C32-C3E9-65B06B7CDC43}"/>
+              <a16:creationId xmlns:a16="http://schemas.microsoft.com/office/drawing/2014/main" id="{9B4D97E4-24E3-4A2E-1FC9-D99824C861FB}"/>
             </a:ext>
           </a:extLst>
         </p:cNvPr>
@@ -6269,467 +7727,10 @@
       </p:grpSpPr>
       <p:sp>
         <p:nvSpPr>
-          <p:cNvPr id="16" name="Rectangle 15">
-            <a:extLst>
-              <a:ext uri="{FF2B5EF4-FFF2-40B4-BE49-F238E27FC236}">
-                <a16:creationId xmlns:a16="http://schemas.microsoft.com/office/drawing/2014/main" id="{D9CBA2E5-43AA-B5BA-040A-E06FFE5AF6FF}"/>
-              </a:ext>
-            </a:extLst>
-          </p:cNvPr>
-          <p:cNvSpPr/>
-          <p:nvPr/>
-        </p:nvSpPr>
-        <p:spPr>
-          <a:xfrm>
-            <a:off x="5878070" y="1964073"/>
-            <a:ext cx="2715768" cy="1574656"/>
-          </a:xfrm>
-          <a:prstGeom prst="rect">
-            <a:avLst/>
-          </a:prstGeom>
-          <a:solidFill>
-            <a:schemeClr val="bg1"/>
-          </a:solidFill>
-        </p:spPr>
-        <p:style>
-          <a:lnRef idx="2">
-            <a:schemeClr val="accent1">
-              <a:shade val="15000"/>
-            </a:schemeClr>
-          </a:lnRef>
-          <a:fillRef idx="1">
-            <a:schemeClr val="accent1"/>
-          </a:fillRef>
-          <a:effectRef idx="0">
-            <a:schemeClr val="accent1"/>
-          </a:effectRef>
-          <a:fontRef idx="minor">
-            <a:schemeClr val="lt1"/>
-          </a:fontRef>
-        </p:style>
-        <p:txBody>
-          <a:bodyPr rtlCol="0" anchor="ctr"/>
-          <a:lstStyle/>
-          <a:p>
-            <a:pPr algn="ctr"/>
-            <a:r>
-              <a:rPr lang="en-IN" sz="1400" dirty="0">
-                <a:solidFill>
-                  <a:schemeClr val="tx1"/>
-                </a:solidFill>
-              </a:rPr>
-              <a:t>Combined format</a:t>
-            </a:r>
-          </a:p>
-          <a:p>
-            <a:pPr algn="ctr"/>
-            <a:r>
-              <a:rPr lang="en-IN" sz="1400" dirty="0">
-                <a:solidFill>
-                  <a:schemeClr val="tx1"/>
-                </a:solidFill>
-              </a:rPr>
-              <a:t>h5ad (14 GB) </a:t>
-            </a:r>
-          </a:p>
-          <a:p>
-            <a:pPr algn="ctr"/>
-            <a:endParaRPr lang="en-IN" sz="1400" dirty="0">
-              <a:solidFill>
-                <a:schemeClr val="tx1"/>
-              </a:solidFill>
-            </a:endParaRPr>
-          </a:p>
-        </p:txBody>
-      </p:sp>
-      <p:sp>
-        <p:nvSpPr>
-          <p:cNvPr id="20" name="Rectangle 19">
-            <a:extLst>
-              <a:ext uri="{FF2B5EF4-FFF2-40B4-BE49-F238E27FC236}">
-                <a16:creationId xmlns:a16="http://schemas.microsoft.com/office/drawing/2014/main" id="{1F29AEE3-DB64-3467-3720-A6C32769634C}"/>
-              </a:ext>
-            </a:extLst>
-          </p:cNvPr>
-          <p:cNvSpPr/>
-          <p:nvPr/>
-        </p:nvSpPr>
-        <p:spPr>
-          <a:xfrm>
-            <a:off x="9736074" y="1989311"/>
-            <a:ext cx="2343150" cy="1832275"/>
-          </a:xfrm>
-          <a:prstGeom prst="rect">
-            <a:avLst/>
-          </a:prstGeom>
-          <a:solidFill>
-            <a:schemeClr val="bg1"/>
-          </a:solidFill>
-        </p:spPr>
-        <p:style>
-          <a:lnRef idx="2">
-            <a:schemeClr val="accent1">
-              <a:shade val="15000"/>
-            </a:schemeClr>
-          </a:lnRef>
-          <a:fillRef idx="1">
-            <a:schemeClr val="accent1"/>
-          </a:fillRef>
-          <a:effectRef idx="0">
-            <a:schemeClr val="accent1"/>
-          </a:effectRef>
-          <a:fontRef idx="minor">
-            <a:schemeClr val="lt1"/>
-          </a:fontRef>
-        </p:style>
-        <p:txBody>
-          <a:bodyPr rtlCol="0" anchor="ctr"/>
-          <a:lstStyle/>
-          <a:p>
-            <a:pPr algn="ctr"/>
-            <a:endParaRPr lang="en-IN" sz="1400" dirty="0">
-              <a:solidFill>
-                <a:schemeClr val="tx1"/>
-              </a:solidFill>
-            </a:endParaRPr>
-          </a:p>
-          <a:p>
-            <a:pPr algn="ctr"/>
-            <a:r>
-              <a:rPr lang="en-IN" sz="1400" dirty="0">
-                <a:solidFill>
-                  <a:schemeClr val="tx1"/>
-                </a:solidFill>
-              </a:rPr>
-              <a:t> </a:t>
-            </a:r>
-          </a:p>
-        </p:txBody>
-      </p:sp>
-      <p:sp>
-        <p:nvSpPr>
-          <p:cNvPr id="21" name="Rectangle 20">
-            <a:extLst>
-              <a:ext uri="{FF2B5EF4-FFF2-40B4-BE49-F238E27FC236}">
-                <a16:creationId xmlns:a16="http://schemas.microsoft.com/office/drawing/2014/main" id="{118DFFC8-5D57-3310-D261-1ABC26E5AB83}"/>
-              </a:ext>
-            </a:extLst>
-          </p:cNvPr>
-          <p:cNvSpPr/>
-          <p:nvPr/>
-        </p:nvSpPr>
-        <p:spPr>
-          <a:xfrm>
-            <a:off x="310895" y="1755649"/>
-            <a:ext cx="4766201" cy="4709160"/>
-          </a:xfrm>
-          <a:prstGeom prst="rect">
-            <a:avLst/>
-          </a:prstGeom>
-          <a:solidFill>
-            <a:schemeClr val="bg1"/>
-          </a:solidFill>
-        </p:spPr>
-        <p:style>
-          <a:lnRef idx="2">
-            <a:schemeClr val="accent1">
-              <a:shade val="15000"/>
-            </a:schemeClr>
-          </a:lnRef>
-          <a:fillRef idx="1">
-            <a:schemeClr val="accent1"/>
-          </a:fillRef>
-          <a:effectRef idx="0">
-            <a:schemeClr val="accent1"/>
-          </a:effectRef>
-          <a:fontRef idx="minor">
-            <a:schemeClr val="lt1"/>
-          </a:fontRef>
-        </p:style>
-        <p:txBody>
-          <a:bodyPr rtlCol="0" anchor="ctr"/>
-          <a:lstStyle/>
-          <a:p>
-            <a:r>
-              <a:rPr lang="en-IN" sz="1400" dirty="0">
-                <a:solidFill>
-                  <a:schemeClr val="tx1"/>
-                </a:solidFill>
-              </a:rPr>
-              <a:t>Raw Count Matrix and cell annotation data (1GB + 100KB File)</a:t>
-            </a:r>
-          </a:p>
-          <a:p>
-            <a:endParaRPr lang="en-IN" sz="1400" dirty="0">
-              <a:solidFill>
-                <a:schemeClr val="tx1"/>
-              </a:solidFill>
-            </a:endParaRPr>
-          </a:p>
-          <a:p>
-            <a:endParaRPr lang="en-IN" sz="1400" dirty="0">
-              <a:solidFill>
-                <a:schemeClr val="tx1"/>
-              </a:solidFill>
-            </a:endParaRPr>
-          </a:p>
-          <a:p>
-            <a:endParaRPr lang="en-IN" sz="1400" dirty="0">
-              <a:solidFill>
-                <a:schemeClr val="tx1"/>
-              </a:solidFill>
-            </a:endParaRPr>
-          </a:p>
-          <a:p>
-            <a:endParaRPr lang="en-IN" sz="1400" dirty="0">
-              <a:solidFill>
-                <a:schemeClr val="tx1"/>
-              </a:solidFill>
-            </a:endParaRPr>
-          </a:p>
-          <a:p>
-            <a:endParaRPr lang="en-IN" sz="1400" dirty="0">
-              <a:solidFill>
-                <a:schemeClr val="tx1"/>
-              </a:solidFill>
-            </a:endParaRPr>
-          </a:p>
-          <a:p>
-            <a:endParaRPr lang="en-IN" sz="1400" dirty="0">
-              <a:solidFill>
-                <a:schemeClr val="tx1"/>
-              </a:solidFill>
-            </a:endParaRPr>
-          </a:p>
-          <a:p>
-            <a:endParaRPr lang="en-IN" sz="1400" dirty="0">
-              <a:solidFill>
-                <a:schemeClr val="tx1"/>
-              </a:solidFill>
-            </a:endParaRPr>
-          </a:p>
-          <a:p>
-            <a:endParaRPr lang="en-IN" sz="1400" dirty="0">
-              <a:solidFill>
-                <a:schemeClr val="tx1"/>
-              </a:solidFill>
-            </a:endParaRPr>
-          </a:p>
-          <a:p>
-            <a:endParaRPr lang="en-IN" sz="1400" dirty="0">
-              <a:solidFill>
-                <a:schemeClr val="tx1"/>
-              </a:solidFill>
-            </a:endParaRPr>
-          </a:p>
-          <a:p>
-            <a:endParaRPr lang="en-IN" sz="1400" dirty="0">
-              <a:solidFill>
-                <a:schemeClr val="tx1"/>
-              </a:solidFill>
-            </a:endParaRPr>
-          </a:p>
-          <a:p>
-            <a:endParaRPr lang="en-IN" sz="1400" dirty="0">
-              <a:solidFill>
-                <a:schemeClr val="tx1"/>
-              </a:solidFill>
-            </a:endParaRPr>
-          </a:p>
-          <a:p>
-            <a:endParaRPr lang="en-IN" sz="1400" dirty="0">
-              <a:solidFill>
-                <a:schemeClr val="tx1"/>
-              </a:solidFill>
-            </a:endParaRPr>
-          </a:p>
-          <a:p>
-            <a:endParaRPr lang="en-IN" sz="1400" dirty="0">
-              <a:solidFill>
-                <a:schemeClr val="tx1"/>
-              </a:solidFill>
-            </a:endParaRPr>
-          </a:p>
-          <a:p>
-            <a:endParaRPr lang="en-IN" sz="1400" dirty="0">
-              <a:solidFill>
-                <a:schemeClr val="tx1"/>
-              </a:solidFill>
-            </a:endParaRPr>
-          </a:p>
-          <a:p>
-            <a:endParaRPr lang="en-IN" sz="1400" dirty="0">
-              <a:solidFill>
-                <a:schemeClr val="tx1"/>
-              </a:solidFill>
-            </a:endParaRPr>
-          </a:p>
-          <a:p>
-            <a:endParaRPr lang="en-IN" sz="1400" dirty="0">
-              <a:solidFill>
-                <a:schemeClr val="tx1"/>
-              </a:solidFill>
-            </a:endParaRPr>
-          </a:p>
-          <a:p>
-            <a:endParaRPr lang="en-IN" sz="1400" dirty="0">
-              <a:solidFill>
-                <a:schemeClr val="tx1"/>
-              </a:solidFill>
-            </a:endParaRPr>
-          </a:p>
-          <a:p>
-            <a:endParaRPr lang="en-IN" sz="1400" dirty="0">
-              <a:solidFill>
-                <a:schemeClr val="tx1"/>
-              </a:solidFill>
-            </a:endParaRPr>
-          </a:p>
-          <a:p>
-            <a:endParaRPr lang="en-IN" sz="1400" dirty="0">
-              <a:solidFill>
-                <a:schemeClr val="tx1"/>
-              </a:solidFill>
-            </a:endParaRPr>
-          </a:p>
-        </p:txBody>
-      </p:sp>
-      <p:pic>
-        <p:nvPicPr>
-          <p:cNvPr id="22" name="Picture 21">
-            <a:extLst>
-              <a:ext uri="{FF2B5EF4-FFF2-40B4-BE49-F238E27FC236}">
-                <a16:creationId xmlns:a16="http://schemas.microsoft.com/office/drawing/2014/main" id="{6AE0C382-F151-800A-D4E3-627F231A9FC8}"/>
-              </a:ext>
-            </a:extLst>
-          </p:cNvPr>
-          <p:cNvPicPr>
-            <a:picLocks noChangeAspect="1"/>
-          </p:cNvPicPr>
-          <p:nvPr/>
-        </p:nvPicPr>
-        <p:blipFill>
-          <a:blip r:embed="rId2"/>
-          <a:stretch>
-            <a:fillRect/>
-          </a:stretch>
-        </p:blipFill>
-        <p:spPr>
-          <a:xfrm>
-            <a:off x="430530" y="2408236"/>
-            <a:ext cx="2586990" cy="1314395"/>
-          </a:xfrm>
-          <a:prstGeom prst="rect">
-            <a:avLst/>
-          </a:prstGeom>
-          <a:ln>
-            <a:solidFill>
-              <a:schemeClr val="tx1"/>
-            </a:solidFill>
-          </a:ln>
-        </p:spPr>
-      </p:pic>
-      <p:cxnSp>
-        <p:nvCxnSpPr>
-          <p:cNvPr id="25" name="Straight Arrow Connector 24">
-            <a:extLst>
-              <a:ext uri="{FF2B5EF4-FFF2-40B4-BE49-F238E27FC236}">
-                <a16:creationId xmlns:a16="http://schemas.microsoft.com/office/drawing/2014/main" id="{940C3289-D000-CD25-ECB7-2F51617633CD}"/>
-              </a:ext>
-            </a:extLst>
-          </p:cNvPr>
-          <p:cNvCxnSpPr>
-            <a:cxnSpLocks/>
-            <a:endCxn id="16" idx="1"/>
-          </p:cNvCxnSpPr>
-          <p:nvPr/>
-        </p:nvCxnSpPr>
-        <p:spPr>
-          <a:xfrm>
-            <a:off x="5077096" y="2751401"/>
-            <a:ext cx="800974" cy="0"/>
-          </a:xfrm>
-          <a:prstGeom prst="straightConnector1">
-            <a:avLst/>
-          </a:prstGeom>
-          <a:ln>
-            <a:solidFill>
-              <a:schemeClr val="tx1">
-                <a:lumMod val="85000"/>
-                <a:lumOff val="15000"/>
-              </a:schemeClr>
-            </a:solidFill>
-            <a:tailEnd type="triangle"/>
-          </a:ln>
-        </p:spPr>
-        <p:style>
-          <a:lnRef idx="1">
-            <a:schemeClr val="accent1"/>
-          </a:lnRef>
-          <a:fillRef idx="0">
-            <a:schemeClr val="accent1"/>
-          </a:fillRef>
-          <a:effectRef idx="0">
-            <a:schemeClr val="accent1"/>
-          </a:effectRef>
-          <a:fontRef idx="minor">
-            <a:schemeClr val="tx1"/>
-          </a:fontRef>
-        </p:style>
-      </p:cxnSp>
-      <p:cxnSp>
-        <p:nvCxnSpPr>
-          <p:cNvPr id="27" name="Straight Arrow Connector 26">
-            <a:extLst>
-              <a:ext uri="{FF2B5EF4-FFF2-40B4-BE49-F238E27FC236}">
-                <a16:creationId xmlns:a16="http://schemas.microsoft.com/office/drawing/2014/main" id="{34529EE3-7D55-F101-82BC-7F0EDC8C64FC}"/>
-              </a:ext>
-            </a:extLst>
-          </p:cNvPr>
-          <p:cNvCxnSpPr>
-            <a:cxnSpLocks/>
-          </p:cNvCxnSpPr>
-          <p:nvPr/>
-        </p:nvCxnSpPr>
-        <p:spPr>
-          <a:xfrm>
-            <a:off x="8593838" y="2618812"/>
-            <a:ext cx="1142236" cy="0"/>
-          </a:xfrm>
-          <a:prstGeom prst="straightConnector1">
-            <a:avLst/>
-          </a:prstGeom>
-          <a:ln>
-            <a:solidFill>
-              <a:schemeClr val="tx1">
-                <a:lumMod val="85000"/>
-                <a:lumOff val="15000"/>
-              </a:schemeClr>
-            </a:solidFill>
-            <a:tailEnd type="triangle"/>
-          </a:ln>
-        </p:spPr>
-        <p:style>
-          <a:lnRef idx="1">
-            <a:schemeClr val="accent1"/>
-          </a:lnRef>
-          <a:fillRef idx="0">
-            <a:schemeClr val="accent1"/>
-          </a:fillRef>
-          <a:effectRef idx="0">
-            <a:schemeClr val="accent1"/>
-          </a:effectRef>
-          <a:fontRef idx="minor">
-            <a:schemeClr val="tx1"/>
-          </a:fontRef>
-        </p:style>
-      </p:cxnSp>
-      <p:sp>
-        <p:nvSpPr>
           <p:cNvPr id="30" name="TextBox 29">
             <a:extLst>
               <a:ext uri="{FF2B5EF4-FFF2-40B4-BE49-F238E27FC236}">
-                <a16:creationId xmlns:a16="http://schemas.microsoft.com/office/drawing/2014/main" id="{BF34CBC9-FFB4-D2E6-9C34-72B287A32102}"/>
+                <a16:creationId xmlns:a16="http://schemas.microsoft.com/office/drawing/2014/main" id="{BCF51F25-3750-5253-1248-FC7F0153574B}"/>
               </a:ext>
             </a:extLst>
           </p:cNvPr>
@@ -6753,8 +7754,12 @@
           <a:lstStyle/>
           <a:p>
             <a:r>
+              <a:rPr lang="en-IN" b="1" dirty="0" err="1"/>
+              <a:t>ScFOUNDATION’S</a:t>
+            </a:r>
+            <a:r>
               <a:rPr lang="en-IN" b="1" dirty="0"/>
-              <a:t>SC-F’S INPUT DATA</a:t>
+              <a:t> INPUT DATA</a:t>
             </a:r>
           </a:p>
         </p:txBody>
@@ -6764,7 +7769,7 @@
           <p:cNvPr id="32" name="Straight Connector 31">
             <a:extLst>
               <a:ext uri="{FF2B5EF4-FFF2-40B4-BE49-F238E27FC236}">
-                <a16:creationId xmlns:a16="http://schemas.microsoft.com/office/drawing/2014/main" id="{5E799FCE-77AB-D4D6-8D40-F212F2D86F59}"/>
+                <a16:creationId xmlns:a16="http://schemas.microsoft.com/office/drawing/2014/main" id="{EBFAE6D2-BDA5-834F-A3A7-3B789E532006}"/>
               </a:ext>
             </a:extLst>
           </p:cNvPr>
@@ -6797,10 +7802,10 @@
       </p:cxnSp>
       <p:sp>
         <p:nvSpPr>
-          <p:cNvPr id="35" name="Rectangle 34">
-            <a:extLst>
-              <a:ext uri="{FF2B5EF4-FFF2-40B4-BE49-F238E27FC236}">
-                <a16:creationId xmlns:a16="http://schemas.microsoft.com/office/drawing/2014/main" id="{89772905-9124-9432-A090-1D03A4548DB7}"/>
+          <p:cNvPr id="2" name="Rectangle: Rounded Corners 1">
+            <a:extLst>
+              <a:ext uri="{FF2B5EF4-FFF2-40B4-BE49-F238E27FC236}">
+                <a16:creationId xmlns:a16="http://schemas.microsoft.com/office/drawing/2014/main" id="{45283508-DFBE-3A7A-AEB4-EF1FC5B162D2}"/>
               </a:ext>
             </a:extLst>
           </p:cNvPr>
@@ -6809,15 +7814,22 @@
         </p:nvSpPr>
         <p:spPr>
           <a:xfrm>
-            <a:off x="5878070" y="3129143"/>
-            <a:ext cx="2715768" cy="494172"/>
+            <a:off x="397999" y="954273"/>
+            <a:ext cx="2838892" cy="1339700"/>
           </a:xfrm>
-          <a:prstGeom prst="rect">
-            <a:avLst/>
+          <a:prstGeom prst="roundRect">
+            <a:avLst>
+              <a:gd name="adj" fmla="val 8396"/>
+            </a:avLst>
           </a:prstGeom>
           <a:solidFill>
             <a:schemeClr val="bg1"/>
           </a:solidFill>
+          <a:ln>
+            <a:solidFill>
+              <a:srgbClr val="00B050"/>
+            </a:solidFill>
+          </a:ln>
         </p:spPr>
         <p:style>
           <a:lnRef idx="2">
@@ -6839,35 +7851,85 @@
           <a:bodyPr rtlCol="0" anchor="ctr"/>
           <a:lstStyle/>
           <a:p>
-            <a:pPr algn="ctr"/>
-            <a:r>
-              <a:rPr lang="en-IN" sz="1400" dirty="0">
+            <a:pPr marL="171450" indent="-171450">
+              <a:buFont typeface="Arial" panose="020B0604020202020204" pitchFamily="34" charset="0"/>
+              <a:buChar char="•"/>
+            </a:pPr>
+            <a:r>
+              <a:rPr lang="en-IN" sz="1200" dirty="0">
                 <a:solidFill>
                   <a:schemeClr val="tx1"/>
                 </a:solidFill>
               </a:rPr>
-              <a:t>Developed python code</a:t>
-            </a:r>
-          </a:p>
-          <a:p>
-            <a:pPr algn="ctr"/>
-            <a:r>
-              <a:rPr lang="en-IN" sz="1400" dirty="0">
+              <a:t>Source GEO Accession viewer</a:t>
+            </a:r>
+          </a:p>
+          <a:p>
+            <a:pPr marL="171450" indent="-171450">
+              <a:buFont typeface="Arial" panose="020B0604020202020204" pitchFamily="34" charset="0"/>
+              <a:buChar char="•"/>
+            </a:pPr>
+            <a:r>
+              <a:rPr lang="en-IN" sz="1200" dirty="0">
                 <a:solidFill>
                   <a:schemeClr val="tx1"/>
                 </a:solidFill>
               </a:rPr>
-              <a:t>(5 – 10 Mins)</a:t>
-            </a:r>
-          </a:p>
-        </p:txBody>
-      </p:sp>
-      <p:sp>
-        <p:nvSpPr>
-          <p:cNvPr id="36" name="Rectangle 35">
-            <a:extLst>
-              <a:ext uri="{FF2B5EF4-FFF2-40B4-BE49-F238E27FC236}">
-                <a16:creationId xmlns:a16="http://schemas.microsoft.com/office/drawing/2014/main" id="{4C31AAB5-F996-C5E3-F214-7B3B59352C0F}"/>
+              <a:t>Only </a:t>
+            </a:r>
+            <a:r>
+              <a:rPr lang="en-IN" sz="1200" dirty="0" err="1">
+                <a:solidFill>
+                  <a:schemeClr val="tx1"/>
+                </a:solidFill>
+              </a:rPr>
+              <a:t>publically</a:t>
+            </a:r>
+            <a:r>
+              <a:rPr lang="en-IN" sz="1200" dirty="0">
+                <a:solidFill>
+                  <a:schemeClr val="tx1"/>
+                </a:solidFill>
+              </a:rPr>
+              <a:t> available format</a:t>
+            </a:r>
+          </a:p>
+          <a:p>
+            <a:pPr marL="171450" indent="-171450">
+              <a:buFont typeface="Arial" panose="020B0604020202020204" pitchFamily="34" charset="0"/>
+              <a:buChar char="•"/>
+            </a:pPr>
+            <a:r>
+              <a:rPr lang="en-IN" sz="1200" dirty="0">
+                <a:solidFill>
+                  <a:schemeClr val="tx1"/>
+                </a:solidFill>
+              </a:rPr>
+              <a:t>Find datasets using GEO Ids</a:t>
+            </a:r>
+          </a:p>
+          <a:p>
+            <a:pPr marL="171450" indent="-171450">
+              <a:buFont typeface="Arial" panose="020B0604020202020204" pitchFamily="34" charset="0"/>
+              <a:buChar char="•"/>
+            </a:pPr>
+            <a:r>
+              <a:rPr lang="en-IN" sz="1200" dirty="0">
+                <a:solidFill>
+                  <a:schemeClr val="tx1"/>
+                </a:solidFill>
+              </a:rPr>
+              <a:t>Cell annotation File + Raw Count Matrix</a:t>
+            </a:r>
+          </a:p>
+        </p:txBody>
+      </p:sp>
+      <p:sp>
+        <p:nvSpPr>
+          <p:cNvPr id="3" name="Rectangle 2">
+            <a:extLst>
+              <a:ext uri="{FF2B5EF4-FFF2-40B4-BE49-F238E27FC236}">
+                <a16:creationId xmlns:a16="http://schemas.microsoft.com/office/drawing/2014/main" id="{66A4F1CF-16D5-DEE9-A272-687A901C9B08}"/>
               </a:ext>
             </a:extLst>
           </p:cNvPr>
@@ -6876,15 +7938,20 @@
         </p:nvSpPr>
         <p:spPr>
           <a:xfrm>
-            <a:off x="9736074" y="3129143"/>
-            <a:ext cx="2343150" cy="700522"/>
+            <a:off x="514958" y="818710"/>
+            <a:ext cx="1254641" cy="249864"/>
           </a:xfrm>
           <a:prstGeom prst="rect">
             <a:avLst/>
           </a:prstGeom>
           <a:solidFill>
-            <a:schemeClr val="bg1"/>
+            <a:srgbClr val="41B883"/>
           </a:solidFill>
+          <a:ln>
+            <a:solidFill>
+              <a:schemeClr val="tx1"/>
+            </a:solidFill>
+          </a:ln>
         </p:spPr>
         <p:style>
           <a:lnRef idx="2">
@@ -6908,47 +7975,405 @@
           <a:p>
             <a:pPr algn="ctr"/>
             <a:r>
-              <a:rPr lang="en-IN" sz="1400" dirty="0">
+              <a:rPr lang="en-IN" dirty="0"/>
+              <a:t>txt.gz</a:t>
+            </a:r>
+          </a:p>
+        </p:txBody>
+      </p:sp>
+      <p:sp>
+        <p:nvSpPr>
+          <p:cNvPr id="4" name="Rectangle: Rounded Corners 3">
+            <a:extLst>
+              <a:ext uri="{FF2B5EF4-FFF2-40B4-BE49-F238E27FC236}">
+                <a16:creationId xmlns:a16="http://schemas.microsoft.com/office/drawing/2014/main" id="{4EECFDF1-A2D8-A135-2DC9-0EE7A637305C}"/>
+              </a:ext>
+            </a:extLst>
+          </p:cNvPr>
+          <p:cNvSpPr/>
+          <p:nvPr/>
+        </p:nvSpPr>
+        <p:spPr>
+          <a:xfrm>
+            <a:off x="4569508" y="954273"/>
+            <a:ext cx="2838892" cy="1339700"/>
+          </a:xfrm>
+          <a:prstGeom prst="roundRect">
+            <a:avLst>
+              <a:gd name="adj" fmla="val 8396"/>
+            </a:avLst>
+          </a:prstGeom>
+          <a:solidFill>
+            <a:schemeClr val="bg1"/>
+          </a:solidFill>
+          <a:ln>
+            <a:solidFill>
+              <a:srgbClr val="00B050"/>
+            </a:solidFill>
+          </a:ln>
+        </p:spPr>
+        <p:style>
+          <a:lnRef idx="2">
+            <a:schemeClr val="accent1">
+              <a:shade val="15000"/>
+            </a:schemeClr>
+          </a:lnRef>
+          <a:fillRef idx="1">
+            <a:schemeClr val="accent1"/>
+          </a:fillRef>
+          <a:effectRef idx="0">
+            <a:schemeClr val="accent1"/>
+          </a:effectRef>
+          <a:fontRef idx="minor">
+            <a:schemeClr val="lt1"/>
+          </a:fontRef>
+        </p:style>
+        <p:txBody>
+          <a:bodyPr rtlCol="0" anchor="ctr"/>
+          <a:lstStyle/>
+          <a:p>
+            <a:pPr marL="171450" indent="-171450">
+              <a:buFont typeface="Arial" panose="020B0604020202020204" pitchFamily="34" charset="0"/>
+              <a:buChar char="•"/>
+            </a:pPr>
+            <a:r>
+              <a:rPr lang="en-IN" sz="1200" dirty="0">
                 <a:solidFill>
                   <a:schemeClr val="tx1"/>
                 </a:solidFill>
               </a:rPr>
-              <a:t>Sc </a:t>
-            </a:r>
-            <a:r>
-              <a:rPr lang="en-IN" sz="1400" dirty="0" err="1">
+              <a:t>Cell annotation + Raw Count matrix</a:t>
+            </a:r>
+          </a:p>
+          <a:p>
+            <a:pPr marL="171450" indent="-171450">
+              <a:buFont typeface="Arial" panose="020B0604020202020204" pitchFamily="34" charset="0"/>
+              <a:buChar char="•"/>
+            </a:pPr>
+            <a:r>
+              <a:rPr lang="en-IN" sz="1200" dirty="0">
                 <a:solidFill>
                   <a:schemeClr val="tx1"/>
                 </a:solidFill>
               </a:rPr>
-              <a:t>Foundations’s</a:t>
-            </a:r>
-            <a:r>
-              <a:rPr lang="en-IN" sz="1400" dirty="0">
+              <a:t>14 GB</a:t>
+            </a:r>
+          </a:p>
+          <a:p>
+            <a:pPr marL="171450" indent="-171450">
+              <a:buFont typeface="Arial" panose="020B0604020202020204" pitchFamily="34" charset="0"/>
+              <a:buChar char="•"/>
+            </a:pPr>
+            <a:r>
+              <a:rPr lang="en-IN" sz="1200" dirty="0">
                 <a:solidFill>
                   <a:schemeClr val="tx1"/>
                 </a:solidFill>
               </a:rPr>
-              <a:t> Tokenizer code</a:t>
-            </a:r>
-          </a:p>
+              <a:t>Conversion time – 5mins</a:t>
+            </a:r>
+          </a:p>
+        </p:txBody>
+      </p:sp>
+      <p:sp>
+        <p:nvSpPr>
+          <p:cNvPr id="5" name="Rectangle 4">
+            <a:extLst>
+              <a:ext uri="{FF2B5EF4-FFF2-40B4-BE49-F238E27FC236}">
+                <a16:creationId xmlns:a16="http://schemas.microsoft.com/office/drawing/2014/main" id="{2394376C-69D2-6021-6E3B-B65FBA94D087}"/>
+              </a:ext>
+            </a:extLst>
+          </p:cNvPr>
+          <p:cNvSpPr/>
+          <p:nvPr/>
+        </p:nvSpPr>
+        <p:spPr>
+          <a:xfrm>
+            <a:off x="4659883" y="829341"/>
+            <a:ext cx="1254641" cy="249864"/>
+          </a:xfrm>
+          <a:prstGeom prst="rect">
+            <a:avLst/>
+          </a:prstGeom>
+          <a:solidFill>
+            <a:srgbClr val="41B883"/>
+          </a:solidFill>
+          <a:ln>
+            <a:solidFill>
+              <a:schemeClr val="tx1"/>
+            </a:solidFill>
+          </a:ln>
+        </p:spPr>
+        <p:style>
+          <a:lnRef idx="2">
+            <a:schemeClr val="accent1">
+              <a:shade val="15000"/>
+            </a:schemeClr>
+          </a:lnRef>
+          <a:fillRef idx="1">
+            <a:schemeClr val="accent1"/>
+          </a:fillRef>
+          <a:effectRef idx="0">
+            <a:schemeClr val="accent1"/>
+          </a:effectRef>
+          <a:fontRef idx="minor">
+            <a:schemeClr val="lt1"/>
+          </a:fontRef>
+        </p:style>
+        <p:txBody>
+          <a:bodyPr rtlCol="0" anchor="ctr"/>
+          <a:lstStyle/>
           <a:p>
             <a:pPr algn="ctr"/>
             <a:r>
-              <a:rPr lang="en-IN" sz="1400" dirty="0">
+              <a:rPr lang="en-IN" dirty="0"/>
+              <a:t>.h5ad</a:t>
+            </a:r>
+          </a:p>
+        </p:txBody>
+      </p:sp>
+      <p:sp>
+        <p:nvSpPr>
+          <p:cNvPr id="8" name="Rectangle: Rounded Corners 7">
+            <a:extLst>
+              <a:ext uri="{FF2B5EF4-FFF2-40B4-BE49-F238E27FC236}">
+                <a16:creationId xmlns:a16="http://schemas.microsoft.com/office/drawing/2014/main" id="{7F012AC2-7731-3ECE-D294-3A8D9BF9F355}"/>
+              </a:ext>
+            </a:extLst>
+          </p:cNvPr>
+          <p:cNvSpPr/>
+          <p:nvPr/>
+        </p:nvSpPr>
+        <p:spPr>
+          <a:xfrm>
+            <a:off x="8427356" y="954273"/>
+            <a:ext cx="2838892" cy="1339700"/>
+          </a:xfrm>
+          <a:prstGeom prst="roundRect">
+            <a:avLst>
+              <a:gd name="adj" fmla="val 8396"/>
+            </a:avLst>
+          </a:prstGeom>
+          <a:solidFill>
+            <a:schemeClr val="bg1"/>
+          </a:solidFill>
+          <a:ln>
+            <a:solidFill>
+              <a:srgbClr val="00B050"/>
+            </a:solidFill>
+          </a:ln>
+        </p:spPr>
+        <p:style>
+          <a:lnRef idx="2">
+            <a:schemeClr val="accent1">
+              <a:shade val="15000"/>
+            </a:schemeClr>
+          </a:lnRef>
+          <a:fillRef idx="1">
+            <a:schemeClr val="accent1"/>
+          </a:fillRef>
+          <a:effectRef idx="0">
+            <a:schemeClr val="accent1"/>
+          </a:effectRef>
+          <a:fontRef idx="minor">
+            <a:schemeClr val="lt1"/>
+          </a:fontRef>
+        </p:style>
+        <p:txBody>
+          <a:bodyPr rtlCol="0" anchor="ctr"/>
+          <a:lstStyle/>
+          <a:p>
+            <a:pPr marL="171450" indent="-171450">
+              <a:buFont typeface="Arial" panose="020B0604020202020204" pitchFamily="34" charset="0"/>
+              <a:buChar char="•"/>
+            </a:pPr>
+            <a:r>
+              <a:rPr lang="en-IN" sz="1200" dirty="0">
                 <a:solidFill>
                   <a:schemeClr val="tx1"/>
                 </a:solidFill>
               </a:rPr>
-              <a:t>(5 Mins)</a:t>
-            </a:r>
-          </a:p>
-        </p:txBody>
-      </p:sp>
+              <a:t>S</a:t>
+            </a:r>
+          </a:p>
+          <a:p>
+            <a:pPr marL="171450" indent="-171450">
+              <a:buFont typeface="Arial" panose="020B0604020202020204" pitchFamily="34" charset="0"/>
+              <a:buChar char="•"/>
+            </a:pPr>
+            <a:r>
+              <a:rPr lang="en-IN" sz="1200" dirty="0">
+                <a:solidFill>
+                  <a:schemeClr val="tx1"/>
+                </a:solidFill>
+              </a:rPr>
+              <a:t>3</a:t>
+            </a:r>
+          </a:p>
+          <a:p>
+            <a:pPr marL="171450" indent="-171450">
+              <a:buFont typeface="Arial" panose="020B0604020202020204" pitchFamily="34" charset="0"/>
+              <a:buChar char="•"/>
+            </a:pPr>
+            <a:endParaRPr lang="en-IN" sz="1200" dirty="0">
+              <a:solidFill>
+                <a:schemeClr val="tx1"/>
+              </a:solidFill>
+            </a:endParaRPr>
+          </a:p>
+        </p:txBody>
+      </p:sp>
+      <p:sp>
+        <p:nvSpPr>
+          <p:cNvPr id="9" name="Rectangle 8">
+            <a:extLst>
+              <a:ext uri="{FF2B5EF4-FFF2-40B4-BE49-F238E27FC236}">
+                <a16:creationId xmlns:a16="http://schemas.microsoft.com/office/drawing/2014/main" id="{C06DB60F-9A10-C16E-874D-F4D9EE5A3715}"/>
+              </a:ext>
+            </a:extLst>
+          </p:cNvPr>
+          <p:cNvSpPr/>
+          <p:nvPr/>
+        </p:nvSpPr>
+        <p:spPr>
+          <a:xfrm>
+            <a:off x="8592161" y="818710"/>
+            <a:ext cx="1254641" cy="249864"/>
+          </a:xfrm>
+          <a:prstGeom prst="rect">
+            <a:avLst/>
+          </a:prstGeom>
+          <a:solidFill>
+            <a:srgbClr val="41B883"/>
+          </a:solidFill>
+          <a:ln>
+            <a:solidFill>
+              <a:schemeClr val="tx1"/>
+            </a:solidFill>
+          </a:ln>
+        </p:spPr>
+        <p:style>
+          <a:lnRef idx="2">
+            <a:schemeClr val="accent1">
+              <a:shade val="15000"/>
+            </a:schemeClr>
+          </a:lnRef>
+          <a:fillRef idx="1">
+            <a:schemeClr val="accent1"/>
+          </a:fillRef>
+          <a:effectRef idx="0">
+            <a:schemeClr val="accent1"/>
+          </a:effectRef>
+          <a:fontRef idx="minor">
+            <a:schemeClr val="lt1"/>
+          </a:fontRef>
+        </p:style>
+        <p:txBody>
+          <a:bodyPr rtlCol="0" anchor="ctr"/>
+          <a:lstStyle/>
+          <a:p>
+            <a:pPr algn="ctr"/>
+            <a:r>
+              <a:rPr lang="en-IN" dirty="0"/>
+              <a:t>.dataset</a:t>
+            </a:r>
+          </a:p>
+        </p:txBody>
+      </p:sp>
+      <p:cxnSp>
+        <p:nvCxnSpPr>
+          <p:cNvPr id="11" name="Straight Arrow Connector 10">
+            <a:extLst>
+              <a:ext uri="{FF2B5EF4-FFF2-40B4-BE49-F238E27FC236}">
+                <a16:creationId xmlns:a16="http://schemas.microsoft.com/office/drawing/2014/main" id="{5D31DE8B-E931-C63A-FA1D-F864738AEDB0}"/>
+              </a:ext>
+            </a:extLst>
+          </p:cNvPr>
+          <p:cNvCxnSpPr>
+            <a:stCxn id="2" idx="3"/>
+            <a:endCxn id="4" idx="1"/>
+          </p:cNvCxnSpPr>
+          <p:nvPr/>
+        </p:nvCxnSpPr>
+        <p:spPr>
+          <a:xfrm>
+            <a:off x="3236891" y="1624123"/>
+            <a:ext cx="1332617" cy="0"/>
+          </a:xfrm>
+          <a:prstGeom prst="straightConnector1">
+            <a:avLst/>
+          </a:prstGeom>
+          <a:ln>
+            <a:solidFill>
+              <a:srgbClr val="00B050"/>
+            </a:solidFill>
+            <a:tailEnd type="triangle"/>
+          </a:ln>
+        </p:spPr>
+        <p:style>
+          <a:lnRef idx="1">
+            <a:schemeClr val="accent1"/>
+          </a:lnRef>
+          <a:fillRef idx="0">
+            <a:schemeClr val="accent1"/>
+          </a:fillRef>
+          <a:effectRef idx="0">
+            <a:schemeClr val="accent1"/>
+          </a:effectRef>
+          <a:fontRef idx="minor">
+            <a:schemeClr val="tx1"/>
+          </a:fontRef>
+        </p:style>
+      </p:cxnSp>
+      <p:cxnSp>
+        <p:nvCxnSpPr>
+          <p:cNvPr id="16" name="Straight Arrow Connector 15">
+            <a:extLst>
+              <a:ext uri="{FF2B5EF4-FFF2-40B4-BE49-F238E27FC236}">
+                <a16:creationId xmlns:a16="http://schemas.microsoft.com/office/drawing/2014/main" id="{E4A979BB-DAC6-AB1E-292B-64E6AF295A59}"/>
+              </a:ext>
+            </a:extLst>
+          </p:cNvPr>
+          <p:cNvCxnSpPr>
+            <a:stCxn id="4" idx="3"/>
+            <a:endCxn id="8" idx="1"/>
+          </p:cNvCxnSpPr>
+          <p:nvPr/>
+        </p:nvCxnSpPr>
+        <p:spPr>
+          <a:xfrm>
+            <a:off x="7408400" y="1624123"/>
+            <a:ext cx="1018956" cy="0"/>
+          </a:xfrm>
+          <a:prstGeom prst="straightConnector1">
+            <a:avLst/>
+          </a:prstGeom>
+          <a:ln>
+            <a:solidFill>
+              <a:srgbClr val="00B050"/>
+            </a:solidFill>
+            <a:tailEnd type="triangle"/>
+          </a:ln>
+        </p:spPr>
+        <p:style>
+          <a:lnRef idx="1">
+            <a:schemeClr val="accent1"/>
+          </a:lnRef>
+          <a:fillRef idx="0">
+            <a:schemeClr val="accent1"/>
+          </a:fillRef>
+          <a:effectRef idx="0">
+            <a:schemeClr val="accent1"/>
+          </a:effectRef>
+          <a:fontRef idx="minor">
+            <a:schemeClr val="tx1"/>
+          </a:fontRef>
+        </p:style>
+      </p:cxnSp>
     </p:spTree>
     <p:extLst>
       <p:ext uri="{BB962C8B-B14F-4D97-AF65-F5344CB8AC3E}">
-        <p14:creationId xmlns:p14="http://schemas.microsoft.com/office/powerpoint/2010/main" val="994479804"/>
+        <p14:creationId xmlns:p14="http://schemas.microsoft.com/office/powerpoint/2010/main" val="3168694592"/>
       </p:ext>
     </p:extLst>
   </p:cSld>
